--- a/c# 스터디 3주 차.pptx
+++ b/c# 스터디 3주 차.pptx
@@ -225,7 +225,7 @@
           <a:p>
             <a:fld id="{843A12A9-14F0-4D34-9920-C4C03DA65D9C}" type="datetimeFigureOut">
               <a:rPr lang="ko-KR" altLang="en-US" smtClean="0"/>
-              <a:t>2020-02-14</a:t>
+              <a:t>2020-02-26</a:t>
             </a:fld>
             <a:endParaRPr lang="ko-KR" altLang="en-US"/>
           </a:p>
@@ -726,7 +726,7 @@
           <a:p>
             <a:fld id="{0EF42388-C34B-4C90-8013-177ADA506B7D}" type="datetimeFigureOut">
               <a:rPr lang="ko-KR" altLang="en-US" smtClean="0"/>
-              <a:t>2020-02-14</a:t>
+              <a:t>2020-02-26</a:t>
             </a:fld>
             <a:endParaRPr lang="ko-KR" altLang="en-US"/>
           </a:p>
@@ -924,7 +924,7 @@
           <a:p>
             <a:fld id="{0EF42388-C34B-4C90-8013-177ADA506B7D}" type="datetimeFigureOut">
               <a:rPr lang="ko-KR" altLang="en-US" smtClean="0"/>
-              <a:t>2020-02-14</a:t>
+              <a:t>2020-02-26</a:t>
             </a:fld>
             <a:endParaRPr lang="ko-KR" altLang="en-US"/>
           </a:p>
@@ -1132,7 +1132,7 @@
           <a:p>
             <a:fld id="{0EF42388-C34B-4C90-8013-177ADA506B7D}" type="datetimeFigureOut">
               <a:rPr lang="ko-KR" altLang="en-US" smtClean="0"/>
-              <a:t>2020-02-14</a:t>
+              <a:t>2020-02-26</a:t>
             </a:fld>
             <a:endParaRPr lang="ko-KR" altLang="en-US"/>
           </a:p>
@@ -1330,7 +1330,7 @@
           <a:p>
             <a:fld id="{0EF42388-C34B-4C90-8013-177ADA506B7D}" type="datetimeFigureOut">
               <a:rPr lang="ko-KR" altLang="en-US" smtClean="0"/>
-              <a:t>2020-02-14</a:t>
+              <a:t>2020-02-26</a:t>
             </a:fld>
             <a:endParaRPr lang="ko-KR" altLang="en-US"/>
           </a:p>
@@ -1605,7 +1605,7 @@
           <a:p>
             <a:fld id="{0EF42388-C34B-4C90-8013-177ADA506B7D}" type="datetimeFigureOut">
               <a:rPr lang="ko-KR" altLang="en-US" smtClean="0"/>
-              <a:t>2020-02-14</a:t>
+              <a:t>2020-02-26</a:t>
             </a:fld>
             <a:endParaRPr lang="ko-KR" altLang="en-US"/>
           </a:p>
@@ -1870,7 +1870,7 @@
           <a:p>
             <a:fld id="{0EF42388-C34B-4C90-8013-177ADA506B7D}" type="datetimeFigureOut">
               <a:rPr lang="ko-KR" altLang="en-US" smtClean="0"/>
-              <a:t>2020-02-14</a:t>
+              <a:t>2020-02-26</a:t>
             </a:fld>
             <a:endParaRPr lang="ko-KR" altLang="en-US"/>
           </a:p>
@@ -2282,7 +2282,7 @@
           <a:p>
             <a:fld id="{0EF42388-C34B-4C90-8013-177ADA506B7D}" type="datetimeFigureOut">
               <a:rPr lang="ko-KR" altLang="en-US" smtClean="0"/>
-              <a:t>2020-02-14</a:t>
+              <a:t>2020-02-26</a:t>
             </a:fld>
             <a:endParaRPr lang="ko-KR" altLang="en-US"/>
           </a:p>
@@ -2423,7 +2423,7 @@
           <a:p>
             <a:fld id="{0EF42388-C34B-4C90-8013-177ADA506B7D}" type="datetimeFigureOut">
               <a:rPr lang="ko-KR" altLang="en-US" smtClean="0"/>
-              <a:t>2020-02-14</a:t>
+              <a:t>2020-02-26</a:t>
             </a:fld>
             <a:endParaRPr lang="ko-KR" altLang="en-US"/>
           </a:p>
@@ -2536,7 +2536,7 @@
           <a:p>
             <a:fld id="{0EF42388-C34B-4C90-8013-177ADA506B7D}" type="datetimeFigureOut">
               <a:rPr lang="ko-KR" altLang="en-US" smtClean="0"/>
-              <a:t>2020-02-14</a:t>
+              <a:t>2020-02-26</a:t>
             </a:fld>
             <a:endParaRPr lang="ko-KR" altLang="en-US"/>
           </a:p>
@@ -2847,7 +2847,7 @@
           <a:p>
             <a:fld id="{0EF42388-C34B-4C90-8013-177ADA506B7D}" type="datetimeFigureOut">
               <a:rPr lang="ko-KR" altLang="en-US" smtClean="0"/>
-              <a:t>2020-02-14</a:t>
+              <a:t>2020-02-26</a:t>
             </a:fld>
             <a:endParaRPr lang="ko-KR" altLang="en-US"/>
           </a:p>
@@ -3135,7 +3135,7 @@
           <a:p>
             <a:fld id="{0EF42388-C34B-4C90-8013-177ADA506B7D}" type="datetimeFigureOut">
               <a:rPr lang="ko-KR" altLang="en-US" smtClean="0"/>
-              <a:t>2020-02-14</a:t>
+              <a:t>2020-02-26</a:t>
             </a:fld>
             <a:endParaRPr lang="ko-KR" altLang="en-US"/>
           </a:p>
@@ -3376,7 +3376,7 @@
           <a:p>
             <a:fld id="{0EF42388-C34B-4C90-8013-177ADA506B7D}" type="datetimeFigureOut">
               <a:rPr lang="ko-KR" altLang="en-US" smtClean="0"/>
-              <a:t>2020-02-14</a:t>
+              <a:t>2020-02-26</a:t>
             </a:fld>
             <a:endParaRPr lang="ko-KR" altLang="en-US"/>
           </a:p>
@@ -3782,7 +3782,10 @@
     <p:bg>
       <p:bgPr>
         <a:solidFill>
-          <a:schemeClr val="bg1"/>
+          <a:schemeClr val="bg1">
+            <a:tint val="95000"/>
+            <a:satMod val="170000"/>
+          </a:schemeClr>
         </a:solidFill>
         <a:effectLst/>
       </p:bgPr>
@@ -3801,21 +3804,21 @@
           <a:chExt cx="0" cy="0"/>
         </a:xfrm>
       </p:grpSpPr>
-      <p:sp useBgFill="1">
-        <p:nvSpPr>
-          <p:cNvPr id="8" name="Rectangle 7">
-            <a:extLst>
-              <a:ext uri="{FF2B5EF4-FFF2-40B4-BE49-F238E27FC236}">
-                <a16:creationId xmlns:a16="http://schemas.microsoft.com/office/drawing/2014/main" id="{559AE206-7EBA-4D33-8BC9-9D8158553F0E}"/>
+      <p:grpSp>
+        <p:nvGrpSpPr>
+          <p:cNvPr id="23" name="Group 22">
+            <a:extLst>
+              <a:ext uri="{FF2B5EF4-FFF2-40B4-BE49-F238E27FC236}">
+                <a16:creationId xmlns:a16="http://schemas.microsoft.com/office/drawing/2014/main" id="{D2C4BFA1-2075-4901-9E24-E41D1FDD51FD}"/>
               </a:ext>
               <a:ext uri="{C183D7F6-B498-43B3-948B-1728B52AA6E4}">
                 <adec:decorative xmlns:adec="http://schemas.microsoft.com/office/drawing/2017/decorative" val="1"/>
               </a:ext>
             </a:extLst>
           </p:cNvPr>
-          <p:cNvSpPr>
-            <a:spLocks noGrp="1" noRot="1" noChangeAspect="1" noMove="1" noResize="1" noEditPoints="1" noAdjustHandles="1" noChangeArrowheads="1" noChangeShapeType="1" noTextEdit="1"/>
-          </p:cNvSpPr>
+          <p:cNvGrpSpPr>
+            <a:grpSpLocks noGrp="1" noUngrp="1" noRot="1" noChangeAspect="1" noMove="1" noResize="1"/>
+          </p:cNvGrpSpPr>
           <p:nvPr>
             <p:extLst>
               <p:ext uri="{386F3935-93C4-4BCD-93E2-E3B085C9AB24}">
@@ -3823,15 +3826,173 @@
               </p:ext>
             </p:extLst>
           </p:nvPr>
+        </p:nvGrpSpPr>
+        <p:grpSpPr>
+          <a:xfrm>
+            <a:off x="1155481" y="498348"/>
+            <a:ext cx="9902663" cy="5861304"/>
+            <a:chOff x="1155481" y="498348"/>
+            <a:chExt cx="9902663" cy="5861304"/>
+          </a:xfrm>
+        </p:grpSpPr>
+        <p:sp>
+          <p:nvSpPr>
+            <p:cNvPr id="24" name="Oval 5">
+              <a:extLst>
+                <a:ext uri="{FF2B5EF4-FFF2-40B4-BE49-F238E27FC236}">
+                  <a16:creationId xmlns:a16="http://schemas.microsoft.com/office/drawing/2014/main" id="{985A7375-E3AF-4F5C-85AE-17E8832952CA}"/>
+                </a:ext>
+                <a:ext uri="{C183D7F6-B498-43B3-948B-1728B52AA6E4}">
+                  <adec:decorative xmlns:adec="http://schemas.microsoft.com/office/drawing/2017/decorative" val="1"/>
+                </a:ext>
+              </a:extLst>
+            </p:cNvPr>
+            <p:cNvSpPr>
+              <a:spLocks noChangeArrowheads="1"/>
+            </p:cNvSpPr>
+            <p:nvPr>
+              <p:extLst>
+                <p:ext uri="{386F3935-93C4-4BCD-93E2-E3B085C9AB24}">
+                  <p16:designElem xmlns:p16="http://schemas.microsoft.com/office/powerpoint/2015/main" val="1"/>
+                </p:ext>
+              </p:extLst>
+            </p:nvPr>
+          </p:nvSpPr>
+          <p:spPr bwMode="auto">
+            <a:xfrm>
+              <a:off x="1155481" y="498348"/>
+              <a:ext cx="5861304" cy="5861304"/>
+            </a:xfrm>
+            <a:prstGeom prst="ellipse">
+              <a:avLst/>
+            </a:prstGeom>
+            <a:solidFill>
+              <a:schemeClr val="accent1">
+                <a:alpha val="55000"/>
+              </a:schemeClr>
+            </a:solidFill>
+            <a:ln>
+              <a:noFill/>
+            </a:ln>
+          </p:spPr>
+        </p:sp>
+        <p:sp>
+          <p:nvSpPr>
+            <p:cNvPr id="25" name="Oval 24">
+              <a:extLst>
+                <a:ext uri="{FF2B5EF4-FFF2-40B4-BE49-F238E27FC236}">
+                  <a16:creationId xmlns:a16="http://schemas.microsoft.com/office/drawing/2014/main" id="{F0307F65-8304-4FA8-A841-D4D7625411BE}"/>
+                </a:ext>
+                <a:ext uri="{C183D7F6-B498-43B3-948B-1728B52AA6E4}">
+                  <adec:decorative xmlns:adec="http://schemas.microsoft.com/office/drawing/2017/decorative" val="1"/>
+                </a:ext>
+              </a:extLst>
+            </p:cNvPr>
+            <p:cNvSpPr>
+              <a:spLocks noChangeArrowheads="1"/>
+            </p:cNvSpPr>
+            <p:nvPr>
+              <p:extLst>
+                <p:ext uri="{386F3935-93C4-4BCD-93E2-E3B085C9AB24}">
+                  <p16:designElem xmlns:p16="http://schemas.microsoft.com/office/powerpoint/2015/main" val="1"/>
+                </p:ext>
+              </p:extLst>
+            </p:nvPr>
+          </p:nvSpPr>
+          <p:spPr bwMode="auto">
+            <a:xfrm>
+              <a:off x="5196840" y="498348"/>
+              <a:ext cx="5861304" cy="5861304"/>
+            </a:xfrm>
+            <a:prstGeom prst="ellipse">
+              <a:avLst/>
+            </a:prstGeom>
+            <a:solidFill>
+              <a:schemeClr val="accent1">
+                <a:alpha val="55000"/>
+              </a:schemeClr>
+            </a:solidFill>
+            <a:ln>
+              <a:noFill/>
+            </a:ln>
+          </p:spPr>
+        </p:sp>
+        <p:sp>
+          <p:nvSpPr>
+            <p:cNvPr id="26" name="Oval 5">
+              <a:extLst>
+                <a:ext uri="{FF2B5EF4-FFF2-40B4-BE49-F238E27FC236}">
+                  <a16:creationId xmlns:a16="http://schemas.microsoft.com/office/drawing/2014/main" id="{C8B8394C-136F-4E05-A002-D93A5E79CD50}"/>
+                </a:ext>
+                <a:ext uri="{C183D7F6-B498-43B3-948B-1728B52AA6E4}">
+                  <adec:decorative xmlns:adec="http://schemas.microsoft.com/office/drawing/2017/decorative" val="1"/>
+                </a:ext>
+              </a:extLst>
+            </p:cNvPr>
+            <p:cNvSpPr>
+              <a:spLocks noChangeArrowheads="1"/>
+            </p:cNvSpPr>
+            <p:nvPr>
+              <p:extLst>
+                <p:ext uri="{386F3935-93C4-4BCD-93E2-E3B085C9AB24}">
+                  <p16:designElem xmlns:p16="http://schemas.microsoft.com/office/powerpoint/2015/main" val="1"/>
+                </p:ext>
+              </p:extLst>
+            </p:nvPr>
+          </p:nvSpPr>
+          <p:spPr bwMode="auto">
+            <a:xfrm>
+              <a:off x="3165348" y="498348"/>
+              <a:ext cx="5861304" cy="5861304"/>
+            </a:xfrm>
+            <a:prstGeom prst="ellipse">
+              <a:avLst/>
+            </a:prstGeom>
+            <a:solidFill>
+              <a:schemeClr val="accent1">
+                <a:alpha val="70000"/>
+              </a:schemeClr>
+            </a:solidFill>
+            <a:ln>
+              <a:noFill/>
+            </a:ln>
+          </p:spPr>
+        </p:sp>
+      </p:grpSp>
+      <p:sp>
+        <p:nvSpPr>
+          <p:cNvPr id="28" name="Rectangle 27">
+            <a:extLst>
+              <a:ext uri="{FF2B5EF4-FFF2-40B4-BE49-F238E27FC236}">
+                <a16:creationId xmlns:a16="http://schemas.microsoft.com/office/drawing/2014/main" id="{053FB2EE-284F-4C87-AB3D-BBF87A9FAB97}"/>
+              </a:ext>
+              <a:ext uri="{C183D7F6-B498-43B3-948B-1728B52AA6E4}">
+                <adec:decorative xmlns:adec="http://schemas.microsoft.com/office/drawing/2017/decorative" val="1"/>
+              </a:ext>
+            </a:extLst>
+          </p:cNvPr>
+          <p:cNvSpPr>
+            <a:spLocks noGrp="1" noRot="1" noChangeAspect="1" noMove="1" noResize="1" noEditPoints="1" noAdjustHandles="1" noChangeArrowheads="1" noChangeShapeType="1" noTextEdit="1"/>
+          </p:cNvSpPr>
+          <p:nvPr>
+            <p:extLst>
+              <p:ext uri="{386F3935-93C4-4BCD-93E2-E3B085C9AB24}">
+                <p16:designElem xmlns:p16="http://schemas.microsoft.com/office/powerpoint/2015/main" val="1"/>
+              </p:ext>
+            </p:extLst>
+          </p:nvPr>
         </p:nvSpPr>
         <p:spPr>
           <a:xfrm>
-            <a:off x="0" y="0"/>
-            <a:ext cx="12192000" cy="6858000"/>
+            <a:off x="0" y="2514600"/>
+            <a:ext cx="12192000" cy="1828800"/>
           </a:xfrm>
           <a:prstGeom prst="rect">
             <a:avLst/>
           </a:prstGeom>
+          <a:solidFill>
+            <a:schemeClr val="tx2"/>
+          </a:solidFill>
           <a:ln>
             <a:noFill/>
           </a:ln>
@@ -3852,43 +4013,6 @@
             <a:schemeClr val="lt1"/>
           </a:fontRef>
         </p:style>
-        <p:txBody>
-          <a:bodyPr rtlCol="0" anchor="ctr"/>
-          <a:lstStyle/>
-          <a:p>
-            <a:pPr marL="0" marR="0" lvl="0" indent="0" algn="ctr" defTabSz="914400" rtl="0" eaLnBrk="1" fontAlgn="auto" latinLnBrk="0" hangingPunct="1">
-              <a:lnSpc>
-                <a:spcPct val="100000"/>
-              </a:lnSpc>
-              <a:spcBef>
-                <a:spcPts val="0"/>
-              </a:spcBef>
-              <a:spcAft>
-                <a:spcPts val="0"/>
-              </a:spcAft>
-              <a:buClrTx/>
-              <a:buSzTx/>
-              <a:buFontTx/>
-              <a:buNone/>
-              <a:tabLst/>
-              <a:defRPr/>
-            </a:pPr>
-            <a:endParaRPr kumimoji="0" lang="en-US" sz="1800" b="0" i="0" u="none" strike="noStrike" kern="1200" cap="none" spc="0" normalizeH="0" baseline="0" noProof="0">
-              <a:ln>
-                <a:noFill/>
-              </a:ln>
-              <a:solidFill>
-                <a:prstClr val="white"/>
-              </a:solidFill>
-              <a:effectLst/>
-              <a:uLnTx/>
-              <a:uFillTx/>
-              <a:latin typeface="Calibri" panose="020F0502020204030204"/>
-              <a:ea typeface="+mn-ea"/>
-              <a:cs typeface="+mn-cs"/>
-            </a:endParaRPr>
-          </a:p>
-        </p:txBody>
       </p:sp>
       <p:sp>
         <p:nvSpPr>
@@ -3908,8 +4032,8 @@
         </p:nvSpPr>
         <p:spPr>
           <a:xfrm>
-            <a:off x="838199" y="4525347"/>
-            <a:ext cx="6801321" cy="1737360"/>
+            <a:off x="1524000" y="2776538"/>
+            <a:ext cx="9144000" cy="1381188"/>
           </a:xfrm>
         </p:spPr>
         <p:txBody>
@@ -3918,21 +4042,36 @@
           </a:bodyPr>
           <a:lstStyle/>
           <a:p>
-            <a:pPr algn="r"/>
-            <a:r>
-              <a:rPr lang="en-US" altLang="ko-KR" dirty="0"/>
+            <a:r>
+              <a:rPr lang="en-US" altLang="ko-KR" sz="4000">
+                <a:solidFill>
+                  <a:schemeClr val="bg2"/>
+                </a:solidFill>
+              </a:rPr>
               <a:t>C# </a:t>
             </a:r>
             <a:r>
-              <a:rPr lang="ko-KR" altLang="en-US" dirty="0"/>
+              <a:rPr lang="ko-KR" altLang="en-US" sz="4000">
+                <a:solidFill>
+                  <a:schemeClr val="bg2"/>
+                </a:solidFill>
+              </a:rPr>
               <a:t>스터디 </a:t>
             </a:r>
             <a:r>
-              <a:rPr lang="en-US" altLang="ko-KR" dirty="0"/>
+              <a:rPr lang="en-US" altLang="ko-KR" sz="4000">
+                <a:solidFill>
+                  <a:schemeClr val="bg2"/>
+                </a:solidFill>
+              </a:rPr>
               <a:t>3</a:t>
             </a:r>
             <a:r>
-              <a:rPr lang="ko-KR" altLang="en-US" dirty="0"/>
+              <a:rPr lang="ko-KR" altLang="en-US" sz="4000">
+                <a:solidFill>
+                  <a:schemeClr val="bg2"/>
+                </a:solidFill>
+              </a:rPr>
               <a:t>주차</a:t>
             </a:r>
           </a:p>
@@ -3956,507 +4095,23 @@
         </p:nvSpPr>
         <p:spPr>
           <a:xfrm>
-            <a:off x="7961258" y="4525347"/>
-            <a:ext cx="3596000" cy="1737360"/>
-          </a:xfrm>
-        </p:spPr>
-        <p:txBody>
-          <a:bodyPr anchor="ctr">
+            <a:off x="1524000" y="4495800"/>
+            <a:ext cx="9144000" cy="762000"/>
+          </a:xfrm>
+        </p:spPr>
+        <p:txBody>
+          <a:bodyPr>
             <a:normAutofit/>
           </a:bodyPr>
           <a:lstStyle/>
           <a:p>
-            <a:pPr algn="l"/>
-            <a:r>
-              <a:rPr lang="ko-KR" altLang="en-US" dirty="0"/>
+            <a:r>
+              <a:rPr lang="ko-KR" altLang="en-US" sz="1800"/>
               <a:t>메소드 배열 그리고 정렬</a:t>
             </a:r>
           </a:p>
         </p:txBody>
       </p:sp>
-      <p:sp>
-        <p:nvSpPr>
-          <p:cNvPr id="10" name="Oval 9">
-            <a:extLst>
-              <a:ext uri="{FF2B5EF4-FFF2-40B4-BE49-F238E27FC236}">
-                <a16:creationId xmlns:a16="http://schemas.microsoft.com/office/drawing/2014/main" id="{6437D937-A7F1-4011-92B4-328E5BE1B166}"/>
-              </a:ext>
-              <a:ext uri="{C183D7F6-B498-43B3-948B-1728B52AA6E4}">
-                <adec:decorative xmlns:adec="http://schemas.microsoft.com/office/drawing/2017/decorative" val="1"/>
-              </a:ext>
-            </a:extLst>
-          </p:cNvPr>
-          <p:cNvSpPr>
-            <a:spLocks noGrp="1" noRot="1" noChangeAspect="1" noMove="1" noResize="1" noEditPoints="1" noAdjustHandles="1" noChangeArrowheads="1" noChangeShapeType="1" noTextEdit="1"/>
-          </p:cNvSpPr>
-          <p:nvPr>
-            <p:extLst>
-              <p:ext uri="{386F3935-93C4-4BCD-93E2-E3B085C9AB24}">
-                <p16:designElem xmlns:p16="http://schemas.microsoft.com/office/powerpoint/2015/main" val="1"/>
-              </p:ext>
-            </p:extLst>
-          </p:nvPr>
-        </p:nvSpPr>
-        <p:spPr>
-          <a:xfrm>
-            <a:off x="588567" y="620480"/>
-            <a:ext cx="2243800" cy="2243796"/>
-          </a:xfrm>
-          <a:prstGeom prst="ellipse">
-            <a:avLst/>
-          </a:prstGeom>
-          <a:solidFill>
-            <a:schemeClr val="accent5"/>
-          </a:solidFill>
-          <a:ln>
-            <a:noFill/>
-          </a:ln>
-        </p:spPr>
-        <p:style>
-          <a:lnRef idx="2">
-            <a:schemeClr val="accent1">
-              <a:shade val="50000"/>
-            </a:schemeClr>
-          </a:lnRef>
-          <a:fillRef idx="1">
-            <a:schemeClr val="accent1"/>
-          </a:fillRef>
-          <a:effectRef idx="0">
-            <a:schemeClr val="accent1"/>
-          </a:effectRef>
-          <a:fontRef idx="minor">
-            <a:schemeClr val="lt1"/>
-          </a:fontRef>
-        </p:style>
-        <p:txBody>
-          <a:bodyPr rtlCol="0" anchor="ctr"/>
-          <a:lstStyle/>
-          <a:p>
-            <a:pPr marL="0" marR="0" lvl="0" indent="0" algn="ctr" defTabSz="914400" rtl="0" eaLnBrk="1" fontAlgn="auto" latinLnBrk="0" hangingPunct="1">
-              <a:lnSpc>
-                <a:spcPct val="100000"/>
-              </a:lnSpc>
-              <a:spcBef>
-                <a:spcPts val="0"/>
-              </a:spcBef>
-              <a:spcAft>
-                <a:spcPts val="0"/>
-              </a:spcAft>
-              <a:buClrTx/>
-              <a:buSzTx/>
-              <a:buFontTx/>
-              <a:buNone/>
-              <a:tabLst/>
-              <a:defRPr/>
-            </a:pPr>
-            <a:endParaRPr kumimoji="0" lang="en-US" sz="1800" b="0" i="0" u="none" strike="noStrike" kern="1200" cap="none" spc="0" normalizeH="0" baseline="0" noProof="0">
-              <a:ln>
-                <a:noFill/>
-              </a:ln>
-              <a:solidFill>
-                <a:prstClr val="white"/>
-              </a:solidFill>
-              <a:effectLst/>
-              <a:uLnTx/>
-              <a:uFillTx/>
-              <a:latin typeface="Calibri" panose="020F0502020204030204"/>
-              <a:ea typeface="+mn-ea"/>
-              <a:cs typeface="+mn-cs"/>
-            </a:endParaRPr>
-          </a:p>
-        </p:txBody>
-      </p:sp>
-      <p:sp>
-        <p:nvSpPr>
-          <p:cNvPr id="12" name="Oval 11">
-            <a:extLst>
-              <a:ext uri="{FF2B5EF4-FFF2-40B4-BE49-F238E27FC236}">
-                <a16:creationId xmlns:a16="http://schemas.microsoft.com/office/drawing/2014/main" id="{B672F332-AF08-46C6-94F0-77684310D7B7}"/>
-              </a:ext>
-              <a:ext uri="{C183D7F6-B498-43B3-948B-1728B52AA6E4}">
-                <adec:decorative xmlns:adec="http://schemas.microsoft.com/office/drawing/2017/decorative" val="1"/>
-              </a:ext>
-            </a:extLst>
-          </p:cNvPr>
-          <p:cNvSpPr>
-            <a:spLocks noGrp="1" noRot="1" noChangeAspect="1" noMove="1" noResize="1" noEditPoints="1" noAdjustHandles="1" noChangeArrowheads="1" noChangeShapeType="1" noTextEdit="1"/>
-          </p:cNvSpPr>
-          <p:nvPr>
-            <p:extLst>
-              <p:ext uri="{386F3935-93C4-4BCD-93E2-E3B085C9AB24}">
-                <p16:designElem xmlns:p16="http://schemas.microsoft.com/office/powerpoint/2015/main" val="1"/>
-              </p:ext>
-            </p:extLst>
-          </p:nvPr>
-        </p:nvSpPr>
-        <p:spPr>
-          <a:xfrm>
-            <a:off x="3395001" y="2466604"/>
-            <a:ext cx="962395" cy="962395"/>
-          </a:xfrm>
-          <a:prstGeom prst="ellipse">
-            <a:avLst/>
-          </a:prstGeom>
-          <a:solidFill>
-            <a:schemeClr val="accent4"/>
-          </a:solidFill>
-          <a:ln>
-            <a:noFill/>
-          </a:ln>
-        </p:spPr>
-        <p:style>
-          <a:lnRef idx="2">
-            <a:schemeClr val="accent1">
-              <a:shade val="50000"/>
-            </a:schemeClr>
-          </a:lnRef>
-          <a:fillRef idx="1">
-            <a:schemeClr val="accent1"/>
-          </a:fillRef>
-          <a:effectRef idx="0">
-            <a:schemeClr val="accent1"/>
-          </a:effectRef>
-          <a:fontRef idx="minor">
-            <a:schemeClr val="lt1"/>
-          </a:fontRef>
-        </p:style>
-        <p:txBody>
-          <a:bodyPr rtlCol="0" anchor="ctr"/>
-          <a:lstStyle/>
-          <a:p>
-            <a:pPr marL="0" marR="0" lvl="0" indent="0" algn="ctr" defTabSz="914400" rtl="0" eaLnBrk="1" fontAlgn="auto" latinLnBrk="0" hangingPunct="1">
-              <a:lnSpc>
-                <a:spcPct val="100000"/>
-              </a:lnSpc>
-              <a:spcBef>
-                <a:spcPts val="0"/>
-              </a:spcBef>
-              <a:spcAft>
-                <a:spcPts val="0"/>
-              </a:spcAft>
-              <a:buClrTx/>
-              <a:buSzTx/>
-              <a:buFontTx/>
-              <a:buNone/>
-              <a:tabLst/>
-              <a:defRPr/>
-            </a:pPr>
-            <a:endParaRPr kumimoji="0" lang="en-US" sz="1800" b="0" i="0" u="none" strike="noStrike" kern="1200" cap="none" spc="0" normalizeH="0" baseline="0" noProof="0">
-              <a:ln>
-                <a:noFill/>
-              </a:ln>
-              <a:solidFill>
-                <a:prstClr val="white"/>
-              </a:solidFill>
-              <a:effectLst/>
-              <a:uLnTx/>
-              <a:uFillTx/>
-              <a:latin typeface="Calibri" panose="020F0502020204030204"/>
-              <a:ea typeface="+mn-ea"/>
-              <a:cs typeface="+mn-cs"/>
-            </a:endParaRPr>
-          </a:p>
-        </p:txBody>
-      </p:sp>
-      <p:sp>
-        <p:nvSpPr>
-          <p:cNvPr id="14" name="Oval 13">
-            <a:extLst>
-              <a:ext uri="{FF2B5EF4-FFF2-40B4-BE49-F238E27FC236}">
-                <a16:creationId xmlns:a16="http://schemas.microsoft.com/office/drawing/2014/main" id="{34244EF8-D73A-40E1-BE73-D46E6B4B04ED}"/>
-              </a:ext>
-              <a:ext uri="{C183D7F6-B498-43B3-948B-1728B52AA6E4}">
-                <adec:decorative xmlns:adec="http://schemas.microsoft.com/office/drawing/2017/decorative" val="1"/>
-              </a:ext>
-            </a:extLst>
-          </p:cNvPr>
-          <p:cNvSpPr>
-            <a:spLocks noGrp="1" noRot="1" noChangeAspect="1" noMove="1" noResize="1" noEditPoints="1" noAdjustHandles="1" noChangeArrowheads="1" noChangeShapeType="1" noTextEdit="1"/>
-          </p:cNvSpPr>
-          <p:nvPr>
-            <p:extLst>
-              <p:ext uri="{386F3935-93C4-4BCD-93E2-E3B085C9AB24}">
-                <p16:designElem xmlns:p16="http://schemas.microsoft.com/office/powerpoint/2015/main" val="1"/>
-              </p:ext>
-            </p:extLst>
-          </p:nvPr>
-        </p:nvSpPr>
-        <p:spPr>
-          <a:xfrm>
-            <a:off x="5125829" y="2327988"/>
-            <a:ext cx="293695" cy="293695"/>
-          </a:xfrm>
-          <a:prstGeom prst="ellipse">
-            <a:avLst/>
-          </a:prstGeom>
-          <a:solidFill>
-            <a:schemeClr val="accent3"/>
-          </a:solidFill>
-          <a:ln>
-            <a:noFill/>
-          </a:ln>
-        </p:spPr>
-        <p:style>
-          <a:lnRef idx="2">
-            <a:schemeClr val="accent1">
-              <a:shade val="50000"/>
-            </a:schemeClr>
-          </a:lnRef>
-          <a:fillRef idx="1">
-            <a:schemeClr val="accent1"/>
-          </a:fillRef>
-          <a:effectRef idx="0">
-            <a:schemeClr val="accent1"/>
-          </a:effectRef>
-          <a:fontRef idx="minor">
-            <a:schemeClr val="lt1"/>
-          </a:fontRef>
-        </p:style>
-        <p:txBody>
-          <a:bodyPr rtlCol="0" anchor="ctr"/>
-          <a:lstStyle/>
-          <a:p>
-            <a:pPr marL="0" marR="0" lvl="0" indent="0" algn="ctr" defTabSz="914400" rtl="0" eaLnBrk="1" fontAlgn="auto" latinLnBrk="0" hangingPunct="1">
-              <a:lnSpc>
-                <a:spcPct val="100000"/>
-              </a:lnSpc>
-              <a:spcBef>
-                <a:spcPts val="0"/>
-              </a:spcBef>
-              <a:spcAft>
-                <a:spcPts val="0"/>
-              </a:spcAft>
-              <a:buClrTx/>
-              <a:buSzTx/>
-              <a:buFontTx/>
-              <a:buNone/>
-              <a:tabLst/>
-              <a:defRPr/>
-            </a:pPr>
-            <a:endParaRPr kumimoji="0" lang="en-US" sz="1800" b="0" i="0" u="none" strike="noStrike" kern="1200" cap="none" spc="0" normalizeH="0" baseline="0" noProof="0">
-              <a:ln>
-                <a:noFill/>
-              </a:ln>
-              <a:solidFill>
-                <a:prstClr val="white"/>
-              </a:solidFill>
-              <a:effectLst/>
-              <a:uLnTx/>
-              <a:uFillTx/>
-              <a:latin typeface="Calibri" panose="020F0502020204030204"/>
-              <a:ea typeface="+mn-ea"/>
-              <a:cs typeface="+mn-cs"/>
-            </a:endParaRPr>
-          </a:p>
-        </p:txBody>
-      </p:sp>
-      <p:sp>
-        <p:nvSpPr>
-          <p:cNvPr id="16" name="Freeform: Shape 15">
-            <a:extLst>
-              <a:ext uri="{FF2B5EF4-FFF2-40B4-BE49-F238E27FC236}">
-                <a16:creationId xmlns:a16="http://schemas.microsoft.com/office/drawing/2014/main" id="{AB84D7E8-4ECB-42D7-ADBF-01689B0F24AE}"/>
-              </a:ext>
-              <a:ext uri="{C183D7F6-B498-43B3-948B-1728B52AA6E4}">
-                <adec:decorative xmlns:adec="http://schemas.microsoft.com/office/drawing/2017/decorative" val="1"/>
-              </a:ext>
-            </a:extLst>
-          </p:cNvPr>
-          <p:cNvSpPr>
-            <a:spLocks noGrp="1" noRot="1" noChangeAspect="1" noMove="1" noResize="1" noEditPoints="1" noAdjustHandles="1" noChangeArrowheads="1" noChangeShapeType="1" noTextEdit="1"/>
-          </p:cNvSpPr>
-          <p:nvPr>
-            <p:extLst>
-              <p:ext uri="{386F3935-93C4-4BCD-93E2-E3B085C9AB24}">
-                <p16:designElem xmlns:p16="http://schemas.microsoft.com/office/powerpoint/2015/main" val="1"/>
-              </p:ext>
-            </p:extLst>
-          </p:nvPr>
-        </p:nvSpPr>
-        <p:spPr>
-          <a:xfrm>
-            <a:off x="6492113" y="0"/>
-            <a:ext cx="5699887" cy="4059244"/>
-          </a:xfrm>
-          <a:custGeom>
-            <a:avLst/>
-            <a:gdLst>
-              <a:gd name="connsiteX0" fmla="*/ 0 w 5699887"/>
-              <a:gd name="connsiteY0" fmla="*/ 0 h 4059244"/>
-              <a:gd name="connsiteX1" fmla="*/ 5699887 w 5699887"/>
-              <a:gd name="connsiteY1" fmla="*/ 0 h 4059244"/>
-              <a:gd name="connsiteX2" fmla="*/ 5699887 w 5699887"/>
-              <a:gd name="connsiteY2" fmla="*/ 3944096 h 4059244"/>
-              <a:gd name="connsiteX3" fmla="*/ 5525775 w 5699887"/>
-              <a:gd name="connsiteY3" fmla="*/ 3980429 h 4059244"/>
-              <a:gd name="connsiteX4" fmla="*/ 4663256 w 5699887"/>
-              <a:gd name="connsiteY4" fmla="*/ 4059244 h 4059244"/>
-              <a:gd name="connsiteX5" fmla="*/ 8566 w 5699887"/>
-              <a:gd name="connsiteY5" fmla="*/ 67422 h 4059244"/>
-            </a:gdLst>
-            <a:ahLst/>
-            <a:cxnLst>
-              <a:cxn ang="0">
-                <a:pos x="connsiteX0" y="connsiteY0"/>
-              </a:cxn>
-              <a:cxn ang="0">
-                <a:pos x="connsiteX1" y="connsiteY1"/>
-              </a:cxn>
-              <a:cxn ang="0">
-                <a:pos x="connsiteX2" y="connsiteY2"/>
-              </a:cxn>
-              <a:cxn ang="0">
-                <a:pos x="connsiteX3" y="connsiteY3"/>
-              </a:cxn>
-              <a:cxn ang="0">
-                <a:pos x="connsiteX4" y="connsiteY4"/>
-              </a:cxn>
-              <a:cxn ang="0">
-                <a:pos x="connsiteX5" y="connsiteY5"/>
-              </a:cxn>
-            </a:cxnLst>
-            <a:rect l="l" t="t" r="r" b="b"/>
-            <a:pathLst>
-              <a:path w="5699887" h="4059244">
-                <a:moveTo>
-                  <a:pt x="0" y="0"/>
-                </a:moveTo>
-                <a:lnTo>
-                  <a:pt x="5699887" y="0"/>
-                </a:lnTo>
-                <a:lnTo>
-                  <a:pt x="5699887" y="3944096"/>
-                </a:lnTo>
-                <a:lnTo>
-                  <a:pt x="5525775" y="3980429"/>
-                </a:lnTo>
-                <a:cubicBezTo>
-                  <a:pt x="5246154" y="4032190"/>
-                  <a:pt x="4957865" y="4059244"/>
-                  <a:pt x="4663256" y="4059244"/>
-                </a:cubicBezTo>
-                <a:cubicBezTo>
-                  <a:pt x="2306390" y="4059244"/>
-                  <a:pt x="353936" y="2327747"/>
-                  <a:pt x="8566" y="67422"/>
-                </a:cubicBezTo>
-                <a:close/>
-              </a:path>
-            </a:pathLst>
-          </a:custGeom>
-          <a:solidFill>
-            <a:srgbClr val="595959"/>
-          </a:solidFill>
-          <a:ln>
-            <a:noFill/>
-          </a:ln>
-        </p:spPr>
-        <p:style>
-          <a:lnRef idx="2">
-            <a:schemeClr val="accent1">
-              <a:shade val="50000"/>
-            </a:schemeClr>
-          </a:lnRef>
-          <a:fillRef idx="1">
-            <a:schemeClr val="accent1"/>
-          </a:fillRef>
-          <a:effectRef idx="0">
-            <a:schemeClr val="accent1"/>
-          </a:effectRef>
-          <a:fontRef idx="minor">
-            <a:schemeClr val="lt1"/>
-          </a:fontRef>
-        </p:style>
-        <p:txBody>
-          <a:bodyPr rtlCol="0" anchor="ctr"/>
-          <a:lstStyle/>
-          <a:p>
-            <a:pPr marL="0" marR="0" lvl="0" indent="0" algn="ctr" defTabSz="914400" rtl="0" eaLnBrk="1" fontAlgn="auto" latinLnBrk="0" hangingPunct="1">
-              <a:lnSpc>
-                <a:spcPct val="100000"/>
-              </a:lnSpc>
-              <a:spcBef>
-                <a:spcPts val="0"/>
-              </a:spcBef>
-              <a:spcAft>
-                <a:spcPts val="0"/>
-              </a:spcAft>
-              <a:buClrTx/>
-              <a:buSzTx/>
-              <a:buFontTx/>
-              <a:buNone/>
-              <a:tabLst/>
-              <a:defRPr/>
-            </a:pPr>
-            <a:endParaRPr kumimoji="0" lang="en-US" sz="1800" b="0" i="0" u="none" strike="noStrike" kern="1200" cap="none" spc="0" normalizeH="0" baseline="0" noProof="0">
-              <a:ln>
-                <a:noFill/>
-              </a:ln>
-              <a:solidFill>
-                <a:prstClr val="white"/>
-              </a:solidFill>
-              <a:effectLst/>
-              <a:uLnTx/>
-              <a:uFillTx/>
-              <a:latin typeface="Calibri" panose="020F0502020204030204"/>
-              <a:ea typeface="+mn-ea"/>
-              <a:cs typeface="+mn-cs"/>
-            </a:endParaRPr>
-          </a:p>
-        </p:txBody>
-      </p:sp>
-      <p:cxnSp>
-        <p:nvCxnSpPr>
-          <p:cNvPr id="18" name="Straight Connector 17">
-            <a:extLst>
-              <a:ext uri="{FF2B5EF4-FFF2-40B4-BE49-F238E27FC236}">
-                <a16:creationId xmlns:a16="http://schemas.microsoft.com/office/drawing/2014/main" id="{9E8E38ED-369A-44C2-B635-0BED0E48A6E8}"/>
-              </a:ext>
-              <a:ext uri="{C183D7F6-B498-43B3-948B-1728B52AA6E4}">
-                <adec:decorative xmlns:adec="http://schemas.microsoft.com/office/drawing/2017/decorative" val="1"/>
-              </a:ext>
-            </a:extLst>
-          </p:cNvPr>
-          <p:cNvCxnSpPr>
-            <a:cxnSpLocks noGrp="1" noRot="1" noChangeAspect="1" noMove="1" noResize="1" noEditPoints="1" noAdjustHandles="1" noChangeArrowheads="1" noChangeShapeType="1"/>
-          </p:cNvCxnSpPr>
-          <p:nvPr>
-            <p:extLst>
-              <p:ext uri="{386F3935-93C4-4BCD-93E2-E3B085C9AB24}">
-                <p16:designElem xmlns:p16="http://schemas.microsoft.com/office/powerpoint/2015/main" val="1"/>
-              </p:ext>
-            </p:extLst>
-          </p:nvPr>
-        </p:nvCxnSpPr>
-        <p:spPr>
-          <a:xfrm>
-            <a:off x="7800392" y="4525347"/>
-            <a:ext cx="0" cy="1737360"/>
-          </a:xfrm>
-          <a:prstGeom prst="line">
-            <a:avLst/>
-          </a:prstGeom>
-          <a:ln w="19050" cap="sq">
-            <a:solidFill>
-              <a:schemeClr val="tx1"/>
-            </a:solidFill>
-          </a:ln>
-        </p:spPr>
-        <p:style>
-          <a:lnRef idx="1">
-            <a:schemeClr val="accent1"/>
-          </a:lnRef>
-          <a:fillRef idx="0">
-            <a:schemeClr val="accent1"/>
-          </a:fillRef>
-          <a:effectRef idx="0">
-            <a:schemeClr val="accent1"/>
-          </a:effectRef>
-          <a:fontRef idx="minor">
-            <a:schemeClr val="tx1"/>
-          </a:fontRef>
-        </p:style>
-      </p:cxnSp>
     </p:spTree>
     <p:extLst>
       <p:ext uri="{BB962C8B-B14F-4D97-AF65-F5344CB8AC3E}">
@@ -4465,7 +4120,7 @@
     </p:extLst>
   </p:cSld>
   <p:clrMapOvr>
-    <a:masterClrMapping/>
+    <a:overrideClrMapping bg1="dk1" tx1="lt1" bg2="dk2" tx2="lt2" accent1="accent1" accent2="accent2" accent3="accent3" accent4="accent4" accent5="accent5" accent6="accent6" hlink="hlink" folHlink="folHlink"/>
   </p:clrMapOvr>
 </p:sld>
 </file>
@@ -16942,8 +16597,8 @@
         </p:nvSpPr>
         <p:spPr>
           <a:xfrm>
-            <a:off x="838200" y="963877"/>
-            <a:ext cx="3494362" cy="4930246"/>
+            <a:off x="577174" y="963877"/>
+            <a:ext cx="4077122" cy="4930246"/>
           </a:xfrm>
         </p:spPr>
         <p:txBody>

--- a/c# 스터디 3주 차.pptx
+++ b/c# 스터디 3주 차.pptx
@@ -225,7 +225,7 @@
           <a:p>
             <a:fld id="{843A12A9-14F0-4D34-9920-C4C03DA65D9C}" type="datetimeFigureOut">
               <a:rPr lang="ko-KR" altLang="en-US" smtClean="0"/>
-              <a:t>2020-02-26</a:t>
+              <a:t>2020-04-10</a:t>
             </a:fld>
             <a:endParaRPr lang="ko-KR" altLang="en-US"/>
           </a:p>
@@ -726,7 +726,7 @@
           <a:p>
             <a:fld id="{0EF42388-C34B-4C90-8013-177ADA506B7D}" type="datetimeFigureOut">
               <a:rPr lang="ko-KR" altLang="en-US" smtClean="0"/>
-              <a:t>2020-02-26</a:t>
+              <a:t>2020-04-10</a:t>
             </a:fld>
             <a:endParaRPr lang="ko-KR" altLang="en-US"/>
           </a:p>
@@ -924,7 +924,7 @@
           <a:p>
             <a:fld id="{0EF42388-C34B-4C90-8013-177ADA506B7D}" type="datetimeFigureOut">
               <a:rPr lang="ko-KR" altLang="en-US" smtClean="0"/>
-              <a:t>2020-02-26</a:t>
+              <a:t>2020-04-10</a:t>
             </a:fld>
             <a:endParaRPr lang="ko-KR" altLang="en-US"/>
           </a:p>
@@ -1132,7 +1132,7 @@
           <a:p>
             <a:fld id="{0EF42388-C34B-4C90-8013-177ADA506B7D}" type="datetimeFigureOut">
               <a:rPr lang="ko-KR" altLang="en-US" smtClean="0"/>
-              <a:t>2020-02-26</a:t>
+              <a:t>2020-04-10</a:t>
             </a:fld>
             <a:endParaRPr lang="ko-KR" altLang="en-US"/>
           </a:p>
@@ -1330,7 +1330,7 @@
           <a:p>
             <a:fld id="{0EF42388-C34B-4C90-8013-177ADA506B7D}" type="datetimeFigureOut">
               <a:rPr lang="ko-KR" altLang="en-US" smtClean="0"/>
-              <a:t>2020-02-26</a:t>
+              <a:t>2020-04-10</a:t>
             </a:fld>
             <a:endParaRPr lang="ko-KR" altLang="en-US"/>
           </a:p>
@@ -1605,7 +1605,7 @@
           <a:p>
             <a:fld id="{0EF42388-C34B-4C90-8013-177ADA506B7D}" type="datetimeFigureOut">
               <a:rPr lang="ko-KR" altLang="en-US" smtClean="0"/>
-              <a:t>2020-02-26</a:t>
+              <a:t>2020-04-10</a:t>
             </a:fld>
             <a:endParaRPr lang="ko-KR" altLang="en-US"/>
           </a:p>
@@ -1870,7 +1870,7 @@
           <a:p>
             <a:fld id="{0EF42388-C34B-4C90-8013-177ADA506B7D}" type="datetimeFigureOut">
               <a:rPr lang="ko-KR" altLang="en-US" smtClean="0"/>
-              <a:t>2020-02-26</a:t>
+              <a:t>2020-04-10</a:t>
             </a:fld>
             <a:endParaRPr lang="ko-KR" altLang="en-US"/>
           </a:p>
@@ -2282,7 +2282,7 @@
           <a:p>
             <a:fld id="{0EF42388-C34B-4C90-8013-177ADA506B7D}" type="datetimeFigureOut">
               <a:rPr lang="ko-KR" altLang="en-US" smtClean="0"/>
-              <a:t>2020-02-26</a:t>
+              <a:t>2020-04-10</a:t>
             </a:fld>
             <a:endParaRPr lang="ko-KR" altLang="en-US"/>
           </a:p>
@@ -2423,7 +2423,7 @@
           <a:p>
             <a:fld id="{0EF42388-C34B-4C90-8013-177ADA506B7D}" type="datetimeFigureOut">
               <a:rPr lang="ko-KR" altLang="en-US" smtClean="0"/>
-              <a:t>2020-02-26</a:t>
+              <a:t>2020-04-10</a:t>
             </a:fld>
             <a:endParaRPr lang="ko-KR" altLang="en-US"/>
           </a:p>
@@ -2536,7 +2536,7 @@
           <a:p>
             <a:fld id="{0EF42388-C34B-4C90-8013-177ADA506B7D}" type="datetimeFigureOut">
               <a:rPr lang="ko-KR" altLang="en-US" smtClean="0"/>
-              <a:t>2020-02-26</a:t>
+              <a:t>2020-04-10</a:t>
             </a:fld>
             <a:endParaRPr lang="ko-KR" altLang="en-US"/>
           </a:p>
@@ -2847,7 +2847,7 @@
           <a:p>
             <a:fld id="{0EF42388-C34B-4C90-8013-177ADA506B7D}" type="datetimeFigureOut">
               <a:rPr lang="ko-KR" altLang="en-US" smtClean="0"/>
-              <a:t>2020-02-26</a:t>
+              <a:t>2020-04-10</a:t>
             </a:fld>
             <a:endParaRPr lang="ko-KR" altLang="en-US"/>
           </a:p>
@@ -3135,7 +3135,7 @@
           <a:p>
             <a:fld id="{0EF42388-C34B-4C90-8013-177ADA506B7D}" type="datetimeFigureOut">
               <a:rPr lang="ko-KR" altLang="en-US" smtClean="0"/>
-              <a:t>2020-02-26</a:t>
+              <a:t>2020-04-10</a:t>
             </a:fld>
             <a:endParaRPr lang="ko-KR" altLang="en-US"/>
           </a:p>
@@ -3376,7 +3376,7 @@
           <a:p>
             <a:fld id="{0EF42388-C34B-4C90-8013-177ADA506B7D}" type="datetimeFigureOut">
               <a:rPr lang="ko-KR" altLang="en-US" smtClean="0"/>
-              <a:t>2020-02-26</a:t>
+              <a:t>2020-04-10</a:t>
             </a:fld>
             <a:endParaRPr lang="ko-KR" altLang="en-US"/>
           </a:p>
@@ -8911,8 +8911,12 @@
           <a:lstStyle/>
           <a:p>
             <a:r>
-              <a:rPr lang="ko-KR" altLang="en-US" sz="3600"/>
-              <a:t>목차</a:t>
+              <a:rPr lang="en-US" altLang="ko-KR" sz="3600" dirty="0"/>
+              <a:t>3</a:t>
+            </a:r>
+            <a:r>
+              <a:rPr lang="ko-KR" altLang="en-US" sz="3600" dirty="0"/>
+              <a:t>주 차 목차</a:t>
             </a:r>
           </a:p>
         </p:txBody>
@@ -9134,88 +9138,88 @@
               <a:buAutoNum type="arabicPeriod"/>
             </a:pPr>
             <a:r>
-              <a:rPr lang="en-US" altLang="ko-KR" sz="2000"/>
+              <a:rPr lang="en-US" altLang="ko-KR" sz="2000" dirty="0"/>
               <a:t>2</a:t>
             </a:r>
             <a:r>
-              <a:rPr lang="ko-KR" altLang="en-US" sz="2000"/>
+              <a:rPr lang="ko-KR" altLang="en-US" sz="2000" dirty="0"/>
               <a:t>주 차 문제 풀이</a:t>
             </a:r>
-            <a:endParaRPr lang="en-US" altLang="ko-KR" sz="2000"/>
+            <a:endParaRPr lang="en-US" altLang="ko-KR" sz="2000" dirty="0"/>
           </a:p>
           <a:p>
             <a:pPr marL="514350" indent="-514350">
               <a:buAutoNum type="arabicPeriod"/>
             </a:pPr>
-            <a:endParaRPr lang="en-US" altLang="ko-KR" sz="2000"/>
+            <a:endParaRPr lang="en-US" altLang="ko-KR" sz="2000" dirty="0"/>
           </a:p>
           <a:p>
             <a:pPr marL="514350" indent="-514350">
               <a:buAutoNum type="arabicPeriod"/>
             </a:pPr>
             <a:r>
-              <a:rPr lang="ko-KR" altLang="en-US" sz="2000"/>
+              <a:rPr lang="ko-KR" altLang="en-US" sz="2000" dirty="0"/>
               <a:t>배열</a:t>
             </a:r>
-            <a:endParaRPr lang="en-US" altLang="ko-KR" sz="2000"/>
+            <a:endParaRPr lang="en-US" altLang="ko-KR" sz="2000" dirty="0"/>
           </a:p>
           <a:p>
             <a:pPr marL="514350" indent="-514350">
               <a:buAutoNum type="arabicPeriod"/>
             </a:pPr>
-            <a:endParaRPr lang="en-US" altLang="ko-KR" sz="2000"/>
+            <a:endParaRPr lang="en-US" altLang="ko-KR" sz="2000" dirty="0"/>
           </a:p>
           <a:p>
             <a:pPr marL="514350" indent="-514350">
               <a:buAutoNum type="arabicPeriod"/>
             </a:pPr>
             <a:r>
-              <a:rPr lang="ko-KR" altLang="en-US" sz="2000"/>
+              <a:rPr lang="ko-KR" altLang="en-US" sz="2000" dirty="0"/>
               <a:t>메소드</a:t>
             </a:r>
-            <a:endParaRPr lang="en-US" altLang="ko-KR" sz="2000"/>
+            <a:endParaRPr lang="en-US" altLang="ko-KR" sz="2000" dirty="0"/>
           </a:p>
           <a:p>
             <a:pPr marL="514350" indent="-514350">
               <a:buAutoNum type="arabicPeriod"/>
             </a:pPr>
-            <a:endParaRPr lang="en-US" altLang="ko-KR" sz="2000"/>
+            <a:endParaRPr lang="en-US" altLang="ko-KR" sz="2000" dirty="0"/>
           </a:p>
           <a:p>
             <a:pPr marL="514350" indent="-514350">
               <a:buAutoNum type="arabicPeriod"/>
             </a:pPr>
             <a:r>
-              <a:rPr lang="en-US" altLang="ko-KR" sz="2000"/>
+              <a:rPr lang="en-US" altLang="ko-KR" sz="2000" dirty="0"/>
               <a:t>swap</a:t>
             </a:r>
             <a:r>
-              <a:rPr lang="ko-KR" altLang="en-US" sz="2000"/>
+              <a:rPr lang="ko-KR" altLang="en-US" sz="2000" dirty="0"/>
               <a:t>과 버블 정렬</a:t>
             </a:r>
-            <a:endParaRPr lang="en-US" altLang="ko-KR" sz="2000"/>
+            <a:endParaRPr lang="en-US" altLang="ko-KR" sz="2000" dirty="0"/>
           </a:p>
           <a:p>
             <a:pPr marL="514350" indent="-514350">
               <a:buAutoNum type="arabicPeriod"/>
             </a:pPr>
-            <a:endParaRPr lang="en-US" altLang="ko-KR" sz="2000"/>
+            <a:endParaRPr lang="en-US" altLang="ko-KR" sz="2000" dirty="0"/>
           </a:p>
           <a:p>
             <a:pPr marL="514350" indent="-514350">
               <a:buAutoNum type="arabicPeriod"/>
             </a:pPr>
             <a:r>
-              <a:rPr lang="ko-KR" altLang="en-US" sz="2000"/>
+              <a:rPr lang="ko-KR" altLang="en-US" sz="2000" dirty="0"/>
               <a:t>과제</a:t>
             </a:r>
-            <a:endParaRPr lang="en-US" altLang="ko-KR" sz="2000"/>
+            <a:endParaRPr lang="en-US" altLang="ko-KR" sz="2000" dirty="0"/>
           </a:p>
           <a:p>
             <a:pPr marL="514350" indent="-514350">
               <a:buAutoNum type="arabicPeriod"/>
             </a:pPr>
-            <a:endParaRPr lang="ko-KR" altLang="en-US" sz="2000"/>
+            <a:endParaRPr lang="ko-KR" altLang="en-US" sz="2000" dirty="0"/>
           </a:p>
         </p:txBody>
       </p:sp>

--- a/c# 스터디 3주 차.pptx
+++ b/c# 스터디 3주 차.pptx
@@ -5,7 +5,7 @@
     <p:sldMasterId id="2147483648" r:id="rId1"/>
   </p:sldMasterIdLst>
   <p:notesMasterIdLst>
-    <p:notesMasterId r:id="rId31"/>
+    <p:notesMasterId r:id="rId32"/>
   </p:notesMasterIdLst>
   <p:sldIdLst>
     <p:sldId id="256" r:id="rId2"/>
@@ -35,8 +35,9 @@
     <p:sldId id="275" r:id="rId26"/>
     <p:sldId id="276" r:id="rId27"/>
     <p:sldId id="279" r:id="rId28"/>
-    <p:sldId id="265" r:id="rId29"/>
-    <p:sldId id="272" r:id="rId30"/>
+    <p:sldId id="285" r:id="rId29"/>
+    <p:sldId id="265" r:id="rId30"/>
+    <p:sldId id="272" r:id="rId31"/>
   </p:sldIdLst>
   <p:sldSz cx="12192000" cy="6858000"/>
   <p:notesSz cx="6858000" cy="9144000"/>
@@ -225,7 +226,7 @@
           <a:p>
             <a:fld id="{843A12A9-14F0-4D34-9920-C4C03DA65D9C}" type="datetimeFigureOut">
               <a:rPr lang="ko-KR" altLang="en-US" smtClean="0"/>
-              <a:t>2020-04-10</a:t>
+              <a:t>2020-04-22</a:t>
             </a:fld>
             <a:endParaRPr lang="ko-KR" altLang="en-US"/>
           </a:p>
@@ -726,7 +727,7 @@
           <a:p>
             <a:fld id="{0EF42388-C34B-4C90-8013-177ADA506B7D}" type="datetimeFigureOut">
               <a:rPr lang="ko-KR" altLang="en-US" smtClean="0"/>
-              <a:t>2020-04-10</a:t>
+              <a:t>2020-04-22</a:t>
             </a:fld>
             <a:endParaRPr lang="ko-KR" altLang="en-US"/>
           </a:p>
@@ -924,7 +925,7 @@
           <a:p>
             <a:fld id="{0EF42388-C34B-4C90-8013-177ADA506B7D}" type="datetimeFigureOut">
               <a:rPr lang="ko-KR" altLang="en-US" smtClean="0"/>
-              <a:t>2020-04-10</a:t>
+              <a:t>2020-04-22</a:t>
             </a:fld>
             <a:endParaRPr lang="ko-KR" altLang="en-US"/>
           </a:p>
@@ -1132,7 +1133,7 @@
           <a:p>
             <a:fld id="{0EF42388-C34B-4C90-8013-177ADA506B7D}" type="datetimeFigureOut">
               <a:rPr lang="ko-KR" altLang="en-US" smtClean="0"/>
-              <a:t>2020-04-10</a:t>
+              <a:t>2020-04-22</a:t>
             </a:fld>
             <a:endParaRPr lang="ko-KR" altLang="en-US"/>
           </a:p>
@@ -1330,7 +1331,7 @@
           <a:p>
             <a:fld id="{0EF42388-C34B-4C90-8013-177ADA506B7D}" type="datetimeFigureOut">
               <a:rPr lang="ko-KR" altLang="en-US" smtClean="0"/>
-              <a:t>2020-04-10</a:t>
+              <a:t>2020-04-22</a:t>
             </a:fld>
             <a:endParaRPr lang="ko-KR" altLang="en-US"/>
           </a:p>
@@ -1605,7 +1606,7 @@
           <a:p>
             <a:fld id="{0EF42388-C34B-4C90-8013-177ADA506B7D}" type="datetimeFigureOut">
               <a:rPr lang="ko-KR" altLang="en-US" smtClean="0"/>
-              <a:t>2020-04-10</a:t>
+              <a:t>2020-04-22</a:t>
             </a:fld>
             <a:endParaRPr lang="ko-KR" altLang="en-US"/>
           </a:p>
@@ -1870,7 +1871,7 @@
           <a:p>
             <a:fld id="{0EF42388-C34B-4C90-8013-177ADA506B7D}" type="datetimeFigureOut">
               <a:rPr lang="ko-KR" altLang="en-US" smtClean="0"/>
-              <a:t>2020-04-10</a:t>
+              <a:t>2020-04-22</a:t>
             </a:fld>
             <a:endParaRPr lang="ko-KR" altLang="en-US"/>
           </a:p>
@@ -2282,7 +2283,7 @@
           <a:p>
             <a:fld id="{0EF42388-C34B-4C90-8013-177ADA506B7D}" type="datetimeFigureOut">
               <a:rPr lang="ko-KR" altLang="en-US" smtClean="0"/>
-              <a:t>2020-04-10</a:t>
+              <a:t>2020-04-22</a:t>
             </a:fld>
             <a:endParaRPr lang="ko-KR" altLang="en-US"/>
           </a:p>
@@ -2423,7 +2424,7 @@
           <a:p>
             <a:fld id="{0EF42388-C34B-4C90-8013-177ADA506B7D}" type="datetimeFigureOut">
               <a:rPr lang="ko-KR" altLang="en-US" smtClean="0"/>
-              <a:t>2020-04-10</a:t>
+              <a:t>2020-04-22</a:t>
             </a:fld>
             <a:endParaRPr lang="ko-KR" altLang="en-US"/>
           </a:p>
@@ -2536,7 +2537,7 @@
           <a:p>
             <a:fld id="{0EF42388-C34B-4C90-8013-177ADA506B7D}" type="datetimeFigureOut">
               <a:rPr lang="ko-KR" altLang="en-US" smtClean="0"/>
-              <a:t>2020-04-10</a:t>
+              <a:t>2020-04-22</a:t>
             </a:fld>
             <a:endParaRPr lang="ko-KR" altLang="en-US"/>
           </a:p>
@@ -2847,7 +2848,7 @@
           <a:p>
             <a:fld id="{0EF42388-C34B-4C90-8013-177ADA506B7D}" type="datetimeFigureOut">
               <a:rPr lang="ko-KR" altLang="en-US" smtClean="0"/>
-              <a:t>2020-04-10</a:t>
+              <a:t>2020-04-22</a:t>
             </a:fld>
             <a:endParaRPr lang="ko-KR" altLang="en-US"/>
           </a:p>
@@ -3135,7 +3136,7 @@
           <a:p>
             <a:fld id="{0EF42388-C34B-4C90-8013-177ADA506B7D}" type="datetimeFigureOut">
               <a:rPr lang="ko-KR" altLang="en-US" smtClean="0"/>
-              <a:t>2020-04-10</a:t>
+              <a:t>2020-04-22</a:t>
             </a:fld>
             <a:endParaRPr lang="ko-KR" altLang="en-US"/>
           </a:p>
@@ -3376,7 +3377,7 @@
           <a:p>
             <a:fld id="{0EF42388-C34B-4C90-8013-177ADA506B7D}" type="datetimeFigureOut">
               <a:rPr lang="ko-KR" altLang="en-US" smtClean="0"/>
-              <a:t>2020-04-10</a:t>
+              <a:t>2020-04-22</a:t>
             </a:fld>
             <a:endParaRPr lang="ko-KR" altLang="en-US"/>
           </a:p>
@@ -12806,6 +12807,15 @@
               <a:rPr lang="en-US" altLang="ko-KR" sz="2400" dirty="0"/>
               <a:t>7kb, 8kb, 3kb, 32kb, 16kb, 5kb, 88kb</a:t>
             </a:r>
+          </a:p>
+          <a:p>
+            <a:pPr marL="0" indent="0">
+              <a:buNone/>
+            </a:pPr>
+            <a:r>
+              <a:rPr lang="en-US" altLang="ko-KR" sz="2400" dirty="0"/>
+              <a:t>input(7 8 3 32 16 5 88)</a:t>
+            </a:r>
             <a:endParaRPr lang="ko-KR" altLang="en-US" sz="2400" dirty="0"/>
           </a:p>
         </p:txBody>
@@ -12850,10 +12860,10 @@
       </p:grpSpPr>
       <p:sp>
         <p:nvSpPr>
-          <p:cNvPr id="16" name="Rectangle 15">
-            <a:extLst>
-              <a:ext uri="{FF2B5EF4-FFF2-40B4-BE49-F238E27FC236}">
-                <a16:creationId xmlns:a16="http://schemas.microsoft.com/office/drawing/2014/main" id="{9228552E-C8B1-4A80-8448-0787CE0FC704}"/>
+          <p:cNvPr id="8" name="Rectangle 7">
+            <a:extLst>
+              <a:ext uri="{FF2B5EF4-FFF2-40B4-BE49-F238E27FC236}">
+                <a16:creationId xmlns:a16="http://schemas.microsoft.com/office/drawing/2014/main" id="{8D70B121-56F4-4848-B38B-182089D909FA}"/>
               </a:ext>
               <a:ext uri="{C183D7F6-B498-43B3-948B-1728B52AA6E4}">
                 <adec:decorative xmlns:adec="http://schemas.microsoft.com/office/drawing/2017/decorative" val="1"/>
@@ -12871,18 +12881,20 @@
             </p:extLst>
           </p:nvPr>
         </p:nvSpPr>
-        <p:spPr>
+        <p:spPr bwMode="ltGray">
           <a:xfrm>
-            <a:off x="0" y="0"/>
-            <a:ext cx="12192000" cy="6858000"/>
+            <a:off x="321564" y="320040"/>
+            <a:ext cx="11548872" cy="6217920"/>
           </a:xfrm>
           <a:prstGeom prst="rect">
             <a:avLst/>
           </a:prstGeom>
           <a:solidFill>
-            <a:srgbClr val="000000"/>
+            <a:schemeClr val="tx1">
+              <a:alpha val="8000"/>
+            </a:schemeClr>
           </a:solidFill>
-          <a:ln>
+          <a:ln w="127000" cap="sq" cmpd="thinThick">
             <a:noFill/>
           </a:ln>
         </p:spPr>
@@ -12911,57 +12923,26 @@
           </a:p>
         </p:txBody>
       </p:sp>
-      <p:pic>
-        <p:nvPicPr>
-          <p:cNvPr id="5" name="Picture 4">
-            <a:extLst>
-              <a:ext uri="{FF2B5EF4-FFF2-40B4-BE49-F238E27FC236}">
-                <a16:creationId xmlns:a16="http://schemas.microsoft.com/office/drawing/2014/main" id="{6F1AD324-194B-4BCE-B19A-6FC42D125F90}"/>
-              </a:ext>
-            </a:extLst>
-          </p:cNvPr>
-          <p:cNvPicPr>
-            <a:picLocks noChangeAspect="1"/>
-          </p:cNvPicPr>
-          <p:nvPr/>
-        </p:nvPicPr>
-        <p:blipFill rotWithShape="1">
-          <a:blip r:embed="rId2">
-            <a:alphaModFix amt="35000"/>
-          </a:blip>
-          <a:srcRect t="2692" b="13039"/>
-          <a:stretch/>
-        </p:blipFill>
+      <p:sp>
+        <p:nvSpPr>
+          <p:cNvPr id="2" name="제목 1">
+            <a:extLst>
+              <a:ext uri="{FF2B5EF4-FFF2-40B4-BE49-F238E27FC236}">
+                <a16:creationId xmlns:a16="http://schemas.microsoft.com/office/drawing/2014/main" id="{E8C6F4AA-E398-4E3F-9D8C-6199807B62DE}"/>
+              </a:ext>
+            </a:extLst>
+          </p:cNvPr>
+          <p:cNvSpPr>
+            <a:spLocks noGrp="1"/>
+          </p:cNvSpPr>
+          <p:nvPr>
+            <p:ph type="title"/>
+          </p:nvPr>
+        </p:nvSpPr>
         <p:spPr>
           <a:xfrm>
-            <a:off x="20" y="1"/>
-            <a:ext cx="12191980" cy="6857999"/>
-          </a:xfrm>
-          <a:prstGeom prst="rect">
-            <a:avLst/>
-          </a:prstGeom>
-        </p:spPr>
-      </p:pic>
-      <p:sp>
-        <p:nvSpPr>
-          <p:cNvPr id="2" name="제목 1">
-            <a:extLst>
-              <a:ext uri="{FF2B5EF4-FFF2-40B4-BE49-F238E27FC236}">
-                <a16:creationId xmlns:a16="http://schemas.microsoft.com/office/drawing/2014/main" id="{DD25667C-63FB-4712-8827-4995623A3BA0}"/>
-              </a:ext>
-            </a:extLst>
-          </p:cNvPr>
-          <p:cNvSpPr>
-            <a:spLocks noGrp="1"/>
-          </p:cNvSpPr>
-          <p:nvPr>
-            <p:ph type="title"/>
-          </p:nvPr>
-        </p:nvSpPr>
-        <p:spPr>
-          <a:xfrm>
-            <a:off x="838200" y="365125"/>
-            <a:ext cx="10515600" cy="1325563"/>
+            <a:off x="838200" y="963877"/>
+            <a:ext cx="3494362" cy="4930246"/>
           </a:xfrm>
         </p:spPr>
         <p:txBody>
@@ -12970,188 +12951,158 @@
           </a:bodyPr>
           <a:lstStyle/>
           <a:p>
+            <a:pPr algn="r"/>
+            <a:r>
+              <a:rPr lang="en-US" altLang="ko-KR">
+                <a:solidFill>
+                  <a:schemeClr val="accent1"/>
+                </a:solidFill>
+              </a:rPr>
+              <a:t>4</a:t>
+            </a:r>
             <a:r>
               <a:rPr lang="ko-KR" altLang="en-US">
                 <a:solidFill>
-                  <a:srgbClr val="FFFFFF"/>
+                  <a:schemeClr val="accent1"/>
                 </a:solidFill>
               </a:rPr>
-              <a:t>과제</a:t>
-            </a:r>
-          </a:p>
-        </p:txBody>
-      </p:sp>
-      <p:sp>
-        <p:nvSpPr>
-          <p:cNvPr id="3" name="내용 개체 틀 2">
-            <a:extLst>
-              <a:ext uri="{FF2B5EF4-FFF2-40B4-BE49-F238E27FC236}">
-                <a16:creationId xmlns:a16="http://schemas.microsoft.com/office/drawing/2014/main" id="{DBF43939-8ECB-40D0-81E8-2937A8B1093F}"/>
-              </a:ext>
-            </a:extLst>
-          </p:cNvPr>
-          <p:cNvSpPr>
-            <a:spLocks noGrp="1"/>
-          </p:cNvSpPr>
-          <p:nvPr>
-            <p:ph idx="1"/>
-          </p:nvPr>
-        </p:nvSpPr>
+              <a:t>주 차 미리보기</a:t>
+            </a:r>
+          </a:p>
+        </p:txBody>
+      </p:sp>
+      <p:cxnSp>
+        <p:nvCxnSpPr>
+          <p:cNvPr id="10" name="Straight Connector 9">
+            <a:extLst>
+              <a:ext uri="{FF2B5EF4-FFF2-40B4-BE49-F238E27FC236}">
+                <a16:creationId xmlns:a16="http://schemas.microsoft.com/office/drawing/2014/main" id="{2D72A2C9-F3CA-4216-8BAD-FA4C970C3C4E}"/>
+              </a:ext>
+              <a:ext uri="{C183D7F6-B498-43B3-948B-1728B52AA6E4}">
+                <adec:decorative xmlns:adec="http://schemas.microsoft.com/office/drawing/2017/decorative" val="1"/>
+              </a:ext>
+            </a:extLst>
+          </p:cNvPr>
+          <p:cNvCxnSpPr>
+            <a:cxnSpLocks noGrp="1" noRot="1" noChangeAspect="1" noMove="1" noResize="1" noEditPoints="1" noAdjustHandles="1" noChangeArrowheads="1" noChangeShapeType="1"/>
+          </p:cNvCxnSpPr>
+          <p:nvPr>
+            <p:extLst>
+              <p:ext uri="{386F3935-93C4-4BCD-93E2-E3B085C9AB24}">
+                <p16:designElem xmlns:p16="http://schemas.microsoft.com/office/powerpoint/2015/main" val="1"/>
+              </p:ext>
+            </p:extLst>
+          </p:nvPr>
+        </p:nvCxnSpPr>
         <p:spPr>
           <a:xfrm>
-            <a:off x="838200" y="1825625"/>
-            <a:ext cx="10515600" cy="4351338"/>
-          </a:xfrm>
-        </p:spPr>
-        <p:txBody>
-          <a:bodyPr>
+            <a:off x="4654296" y="2057400"/>
+            <a:ext cx="0" cy="2743200"/>
+          </a:xfrm>
+          <a:prstGeom prst="line">
+            <a:avLst/>
+          </a:prstGeom>
+          <a:ln w="19050">
+            <a:solidFill>
+              <a:schemeClr val="tx1">
+                <a:lumMod val="85000"/>
+                <a:lumOff val="15000"/>
+              </a:schemeClr>
+            </a:solidFill>
+          </a:ln>
+        </p:spPr>
+        <p:style>
+          <a:lnRef idx="1">
+            <a:schemeClr val="accent1"/>
+          </a:lnRef>
+          <a:fillRef idx="0">
+            <a:schemeClr val="accent1"/>
+          </a:fillRef>
+          <a:effectRef idx="0">
+            <a:schemeClr val="accent1"/>
+          </a:effectRef>
+          <a:fontRef idx="minor">
+            <a:schemeClr val="tx1"/>
+          </a:fontRef>
+        </p:style>
+      </p:cxnSp>
+      <p:sp>
+        <p:nvSpPr>
+          <p:cNvPr id="3" name="내용 개체 틀 2">
+            <a:extLst>
+              <a:ext uri="{FF2B5EF4-FFF2-40B4-BE49-F238E27FC236}">
+                <a16:creationId xmlns:a16="http://schemas.microsoft.com/office/drawing/2014/main" id="{7CDB0B2B-D499-4108-AF5D-292C37552381}"/>
+              </a:ext>
+            </a:extLst>
+          </p:cNvPr>
+          <p:cNvSpPr>
+            <a:spLocks noGrp="1"/>
+          </p:cNvSpPr>
+          <p:nvPr>
+            <p:ph idx="1"/>
+          </p:nvPr>
+        </p:nvSpPr>
+        <p:spPr>
+          <a:xfrm>
+            <a:off x="4976031" y="963877"/>
+            <a:ext cx="6377769" cy="4930246"/>
+          </a:xfrm>
+        </p:spPr>
+        <p:txBody>
+          <a:bodyPr anchor="ctr">
             <a:normAutofit/>
           </a:bodyPr>
           <a:lstStyle/>
           <a:p>
-            <a:pPr marL="0" indent="0">
-              <a:buNone/>
+            <a:pPr marL="514350" indent="-514350">
+              <a:buAutoNum type="arabicPeriod"/>
             </a:pPr>
             <a:r>
-              <a:rPr lang="ko-KR" altLang="en-US">
-                <a:solidFill>
-                  <a:srgbClr val="FFFFFF"/>
-                </a:solidFill>
-              </a:rPr>
-              <a:t>백준 문제</a:t>
-            </a:r>
-            <a:r>
-              <a:rPr lang="en-US" altLang="ko-KR">
-                <a:solidFill>
-                  <a:srgbClr val="FFFFFF"/>
-                </a:solidFill>
-              </a:rPr>
-              <a:t>: 10818 2750</a:t>
-            </a:r>
-          </a:p>
-          <a:p>
-            <a:pPr marL="0" indent="0">
-              <a:buNone/>
+              <a:rPr lang="ko-KR" altLang="en-US" sz="2400"/>
+              <a:t>클래스</a:t>
+            </a:r>
+            <a:endParaRPr lang="en-US" altLang="ko-KR" sz="2400"/>
+          </a:p>
+          <a:p>
+            <a:pPr marL="514350" indent="-514350">
+              <a:buAutoNum type="arabicPeriod"/>
             </a:pPr>
-            <a:endParaRPr lang="en-US" altLang="ko-KR">
-              <a:solidFill>
-                <a:srgbClr val="FFFFFF"/>
-              </a:solidFill>
-            </a:endParaRPr>
-          </a:p>
-          <a:p>
-            <a:pPr marL="0" indent="0">
-              <a:buNone/>
+            <a:r>
+              <a:rPr lang="ko-KR" altLang="en-US" sz="2400"/>
+              <a:t>생성자</a:t>
+            </a:r>
+            <a:endParaRPr lang="en-US" altLang="ko-KR" sz="2400"/>
+          </a:p>
+          <a:p>
+            <a:pPr marL="514350" indent="-514350">
+              <a:buAutoNum type="arabicPeriod"/>
             </a:pPr>
             <a:r>
-              <a:rPr lang="ko-KR" altLang="en-US">
-                <a:solidFill>
-                  <a:srgbClr val="FFFFFF"/>
-                </a:solidFill>
-              </a:rPr>
-              <a:t>일반 문제</a:t>
-            </a:r>
-            <a:r>
-              <a:rPr lang="en-US" altLang="ko-KR">
-                <a:solidFill>
-                  <a:srgbClr val="FFFFFF"/>
-                </a:solidFill>
-              </a:rPr>
-              <a:t>: </a:t>
-            </a:r>
-            <a:r>
-              <a:rPr lang="ko-KR" altLang="en-US">
-                <a:solidFill>
-                  <a:srgbClr val="FFFFFF"/>
-                </a:solidFill>
-              </a:rPr>
-              <a:t>메소드를 사용하서 </a:t>
-            </a:r>
-            <a:r>
-              <a:rPr lang="en-US" altLang="ko-KR">
-                <a:solidFill>
-                  <a:srgbClr val="FFFFFF"/>
-                </a:solidFill>
-              </a:rPr>
-              <a:t>SWAP</a:t>
-            </a:r>
-            <a:r>
-              <a:rPr lang="ko-KR" altLang="en-US">
-                <a:solidFill>
-                  <a:srgbClr val="FFFFFF"/>
-                </a:solidFill>
-              </a:rPr>
-              <a:t> 구현하기</a:t>
-            </a:r>
-            <a:r>
-              <a:rPr lang="en-US" altLang="ko-KR">
-                <a:solidFill>
-                  <a:srgbClr val="FFFFFF"/>
-                </a:solidFill>
-              </a:rPr>
-              <a:t>, </a:t>
-            </a:r>
-            <a:r>
-              <a:rPr lang="ko-KR" altLang="en-US">
-                <a:solidFill>
-                  <a:srgbClr val="FFFFFF"/>
-                </a:solidFill>
-              </a:rPr>
-              <a:t>그 후 버블 소트 구현하기</a:t>
-            </a:r>
-            <a:endParaRPr lang="en-US" altLang="ko-KR">
-              <a:solidFill>
-                <a:srgbClr val="FFFFFF"/>
-              </a:solidFill>
-            </a:endParaRPr>
-          </a:p>
-          <a:p>
-            <a:pPr marL="0" indent="0">
-              <a:buNone/>
+              <a:rPr lang="ko-KR" altLang="en-US" sz="2400"/>
+              <a:t>접근한정자</a:t>
+            </a:r>
+            <a:endParaRPr lang="en-US" altLang="ko-KR" sz="2400"/>
+          </a:p>
+          <a:p>
+            <a:pPr marL="514350" indent="-514350">
+              <a:buAutoNum type="arabicPeriod"/>
             </a:pPr>
-            <a:endParaRPr lang="en-US" altLang="ko-KR">
-              <a:solidFill>
-                <a:srgbClr val="FFFFFF"/>
-              </a:solidFill>
-            </a:endParaRPr>
-          </a:p>
-          <a:p>
-            <a:pPr marL="0" indent="0">
-              <a:buNone/>
-            </a:pPr>
-            <a:r>
-              <a:rPr lang="ko-KR" altLang="en-US">
-                <a:solidFill>
-                  <a:srgbClr val="FFFFFF"/>
-                </a:solidFill>
-              </a:rPr>
-              <a:t>추가 문제</a:t>
-            </a:r>
-            <a:r>
-              <a:rPr lang="en-US" altLang="ko-KR">
-                <a:solidFill>
-                  <a:srgbClr val="FFFFFF"/>
-                </a:solidFill>
-              </a:rPr>
-              <a:t>: 8958 2577</a:t>
-            </a:r>
-            <a:endParaRPr lang="ko-KR" altLang="en-US">
-              <a:solidFill>
-                <a:srgbClr val="FFFFFF"/>
-              </a:solidFill>
-            </a:endParaRPr>
+            <a:r>
+              <a:rPr lang="ko-KR" altLang="en-US" sz="2400"/>
+              <a:t>상속</a:t>
+            </a:r>
           </a:p>
         </p:txBody>
       </p:sp>
     </p:spTree>
     <p:extLst>
       <p:ext uri="{BB962C8B-B14F-4D97-AF65-F5344CB8AC3E}">
-        <p14:creationId xmlns:p14="http://schemas.microsoft.com/office/powerpoint/2010/main" val="766880181"/>
+        <p14:creationId xmlns:p14="http://schemas.microsoft.com/office/powerpoint/2010/main" val="347061135"/>
       </p:ext>
     </p:extLst>
   </p:cSld>
   <p:clrMapOvr>
-    <a:overrideClrMapping bg1="dk1" tx1="lt1" bg2="dk2" tx2="lt2" accent1="accent1" accent2="accent2" accent3="accent3" accent4="accent4" accent5="accent5" accent6="accent6" hlink="hlink" folHlink="folHlink"/>
+    <a:masterClrMapping/>
   </p:clrMapOvr>
 </p:sld>
 </file>
@@ -13183,7 +13134,382 @@
       </p:grpSpPr>
       <p:sp>
         <p:nvSpPr>
-          <p:cNvPr id="17" name="Rectangle 16">
+          <p:cNvPr id="16" name="Rectangle 15">
+            <a:extLst>
+              <a:ext uri="{FF2B5EF4-FFF2-40B4-BE49-F238E27FC236}">
+                <a16:creationId xmlns:a16="http://schemas.microsoft.com/office/drawing/2014/main" id="{9228552E-C8B1-4A80-8448-0787CE0FC704}"/>
+              </a:ext>
+              <a:ext uri="{C183D7F6-B498-43B3-948B-1728B52AA6E4}">
+                <adec:decorative xmlns:adec="http://schemas.microsoft.com/office/drawing/2017/decorative" val="1"/>
+              </a:ext>
+            </a:extLst>
+          </p:cNvPr>
+          <p:cNvSpPr>
+            <a:spLocks noGrp="1" noRot="1" noChangeAspect="1" noMove="1" noResize="1" noEditPoints="1" noAdjustHandles="1" noChangeArrowheads="1" noChangeShapeType="1" noTextEdit="1"/>
+          </p:cNvSpPr>
+          <p:nvPr>
+            <p:extLst>
+              <p:ext uri="{386F3935-93C4-4BCD-93E2-E3B085C9AB24}">
+                <p16:designElem xmlns:p16="http://schemas.microsoft.com/office/powerpoint/2015/main" val="1"/>
+              </p:ext>
+            </p:extLst>
+          </p:nvPr>
+        </p:nvSpPr>
+        <p:spPr>
+          <a:xfrm>
+            <a:off x="0" y="0"/>
+            <a:ext cx="12192000" cy="6858000"/>
+          </a:xfrm>
+          <a:prstGeom prst="rect">
+            <a:avLst/>
+          </a:prstGeom>
+          <a:solidFill>
+            <a:srgbClr val="000000"/>
+          </a:solidFill>
+          <a:ln>
+            <a:noFill/>
+          </a:ln>
+        </p:spPr>
+        <p:style>
+          <a:lnRef idx="2">
+            <a:schemeClr val="accent1">
+              <a:shade val="50000"/>
+            </a:schemeClr>
+          </a:lnRef>
+          <a:fillRef idx="1">
+            <a:schemeClr val="accent1"/>
+          </a:fillRef>
+          <a:effectRef idx="0">
+            <a:schemeClr val="accent1"/>
+          </a:effectRef>
+          <a:fontRef idx="minor">
+            <a:schemeClr val="lt1"/>
+          </a:fontRef>
+        </p:style>
+        <p:txBody>
+          <a:bodyPr rtlCol="0" anchor="ctr"/>
+          <a:lstStyle/>
+          <a:p>
+            <a:pPr algn="ctr"/>
+            <a:endParaRPr lang="en-US"/>
+          </a:p>
+        </p:txBody>
+      </p:sp>
+      <p:pic>
+        <p:nvPicPr>
+          <p:cNvPr id="5" name="Picture 4">
+            <a:extLst>
+              <a:ext uri="{FF2B5EF4-FFF2-40B4-BE49-F238E27FC236}">
+                <a16:creationId xmlns:a16="http://schemas.microsoft.com/office/drawing/2014/main" id="{6F1AD324-194B-4BCE-B19A-6FC42D125F90}"/>
+              </a:ext>
+            </a:extLst>
+          </p:cNvPr>
+          <p:cNvPicPr>
+            <a:picLocks noChangeAspect="1"/>
+          </p:cNvPicPr>
+          <p:nvPr/>
+        </p:nvPicPr>
+        <p:blipFill rotWithShape="1">
+          <a:blip r:embed="rId2">
+            <a:alphaModFix amt="35000"/>
+          </a:blip>
+          <a:srcRect t="2692" b="13039"/>
+          <a:stretch/>
+        </p:blipFill>
+        <p:spPr>
+          <a:xfrm>
+            <a:off x="20" y="1"/>
+            <a:ext cx="12191980" cy="6857999"/>
+          </a:xfrm>
+          <a:prstGeom prst="rect">
+            <a:avLst/>
+          </a:prstGeom>
+        </p:spPr>
+      </p:pic>
+      <p:sp>
+        <p:nvSpPr>
+          <p:cNvPr id="2" name="제목 1">
+            <a:extLst>
+              <a:ext uri="{FF2B5EF4-FFF2-40B4-BE49-F238E27FC236}">
+                <a16:creationId xmlns:a16="http://schemas.microsoft.com/office/drawing/2014/main" id="{DD25667C-63FB-4712-8827-4995623A3BA0}"/>
+              </a:ext>
+            </a:extLst>
+          </p:cNvPr>
+          <p:cNvSpPr>
+            <a:spLocks noGrp="1"/>
+          </p:cNvSpPr>
+          <p:nvPr>
+            <p:ph type="title"/>
+          </p:nvPr>
+        </p:nvSpPr>
+        <p:spPr>
+          <a:xfrm>
+            <a:off x="838200" y="365125"/>
+            <a:ext cx="10515600" cy="1325563"/>
+          </a:xfrm>
+        </p:spPr>
+        <p:txBody>
+          <a:bodyPr>
+            <a:normAutofit/>
+          </a:bodyPr>
+          <a:lstStyle/>
+          <a:p>
+            <a:r>
+              <a:rPr lang="ko-KR" altLang="en-US" dirty="0">
+                <a:solidFill>
+                  <a:srgbClr val="FFFFFF"/>
+                </a:solidFill>
+              </a:rPr>
+              <a:t>과제</a:t>
+            </a:r>
+          </a:p>
+        </p:txBody>
+      </p:sp>
+      <p:sp>
+        <p:nvSpPr>
+          <p:cNvPr id="3" name="내용 개체 틀 2">
+            <a:extLst>
+              <a:ext uri="{FF2B5EF4-FFF2-40B4-BE49-F238E27FC236}">
+                <a16:creationId xmlns:a16="http://schemas.microsoft.com/office/drawing/2014/main" id="{DBF43939-8ECB-40D0-81E8-2937A8B1093F}"/>
+              </a:ext>
+            </a:extLst>
+          </p:cNvPr>
+          <p:cNvSpPr>
+            <a:spLocks noGrp="1"/>
+          </p:cNvSpPr>
+          <p:nvPr>
+            <p:ph idx="1"/>
+          </p:nvPr>
+        </p:nvSpPr>
+        <p:spPr>
+          <a:xfrm>
+            <a:off x="838200" y="1825625"/>
+            <a:ext cx="10515600" cy="4351338"/>
+          </a:xfrm>
+        </p:spPr>
+        <p:txBody>
+          <a:bodyPr>
+            <a:normAutofit/>
+          </a:bodyPr>
+          <a:lstStyle/>
+          <a:p>
+            <a:pPr marL="0" indent="0">
+              <a:buNone/>
+            </a:pPr>
+            <a:r>
+              <a:rPr lang="ko-KR" altLang="en-US" dirty="0">
+                <a:solidFill>
+                  <a:srgbClr val="FFFFFF"/>
+                </a:solidFill>
+              </a:rPr>
+              <a:t>백준 문제</a:t>
+            </a:r>
+            <a:r>
+              <a:rPr lang="en-US" altLang="ko-KR" dirty="0">
+                <a:solidFill>
+                  <a:srgbClr val="FFFFFF"/>
+                </a:solidFill>
+              </a:rPr>
+              <a:t>: 10818 2750</a:t>
+            </a:r>
+          </a:p>
+          <a:p>
+            <a:pPr marL="0" indent="0">
+              <a:buNone/>
+            </a:pPr>
+            <a:endParaRPr lang="en-US" altLang="ko-KR" dirty="0">
+              <a:solidFill>
+                <a:srgbClr val="FFFFFF"/>
+              </a:solidFill>
+            </a:endParaRPr>
+          </a:p>
+          <a:p>
+            <a:pPr marL="0" indent="0">
+              <a:buNone/>
+            </a:pPr>
+            <a:r>
+              <a:rPr lang="ko-KR" altLang="en-US" dirty="0">
+                <a:solidFill>
+                  <a:srgbClr val="FFFFFF"/>
+                </a:solidFill>
+              </a:rPr>
+              <a:t>일반 문제</a:t>
+            </a:r>
+            <a:r>
+              <a:rPr lang="en-US" altLang="ko-KR" dirty="0">
+                <a:solidFill>
+                  <a:srgbClr val="FFFFFF"/>
+                </a:solidFill>
+              </a:rPr>
+              <a:t>: </a:t>
+            </a:r>
+            <a:r>
+              <a:rPr lang="ko-KR" altLang="en-US" dirty="0">
+                <a:solidFill>
+                  <a:srgbClr val="FFFFFF"/>
+                </a:solidFill>
+              </a:rPr>
+              <a:t>메소드를 </a:t>
+            </a:r>
+            <a:r>
+              <a:rPr lang="ko-KR" altLang="en-US" dirty="0" err="1">
+                <a:solidFill>
+                  <a:srgbClr val="FFFFFF"/>
+                </a:solidFill>
+              </a:rPr>
+              <a:t>사용하서</a:t>
+            </a:r>
+            <a:r>
+              <a:rPr lang="ko-KR" altLang="en-US" dirty="0">
+                <a:solidFill>
+                  <a:srgbClr val="FFFFFF"/>
+                </a:solidFill>
+              </a:rPr>
+              <a:t> </a:t>
+            </a:r>
+            <a:r>
+              <a:rPr lang="en-US" altLang="ko-KR" dirty="0">
+                <a:solidFill>
+                  <a:srgbClr val="FFFFFF"/>
+                </a:solidFill>
+              </a:rPr>
+              <a:t>SWAP</a:t>
+            </a:r>
+            <a:r>
+              <a:rPr lang="ko-KR" altLang="en-US" dirty="0">
+                <a:solidFill>
+                  <a:srgbClr val="FFFFFF"/>
+                </a:solidFill>
+              </a:rPr>
+              <a:t> 구현하기</a:t>
+            </a:r>
+            <a:r>
+              <a:rPr lang="en-US" altLang="ko-KR" dirty="0">
+                <a:solidFill>
+                  <a:srgbClr val="FFFFFF"/>
+                </a:solidFill>
+              </a:rPr>
+              <a:t>, </a:t>
+            </a:r>
+            <a:r>
+              <a:rPr lang="ko-KR" altLang="en-US" dirty="0">
+                <a:solidFill>
+                  <a:srgbClr val="FFFFFF"/>
+                </a:solidFill>
+              </a:rPr>
+              <a:t>그 후 버블 소트 구현하기</a:t>
+            </a:r>
+            <a:endParaRPr lang="en-US" altLang="ko-KR" dirty="0">
+              <a:solidFill>
+                <a:srgbClr val="FFFFFF"/>
+              </a:solidFill>
+            </a:endParaRPr>
+          </a:p>
+          <a:p>
+            <a:pPr marL="0" indent="0">
+              <a:buNone/>
+            </a:pPr>
+            <a:endParaRPr lang="en-US" altLang="ko-KR" dirty="0">
+              <a:solidFill>
+                <a:srgbClr val="FFFFFF"/>
+              </a:solidFill>
+            </a:endParaRPr>
+          </a:p>
+          <a:p>
+            <a:pPr marL="0" indent="0">
+              <a:buNone/>
+            </a:pPr>
+            <a:r>
+              <a:rPr lang="ko-KR" altLang="en-US" dirty="0">
+                <a:solidFill>
+                  <a:srgbClr val="FFFFFF"/>
+                </a:solidFill>
+              </a:rPr>
+              <a:t>추가 문제</a:t>
+            </a:r>
+            <a:r>
+              <a:rPr lang="en-US" altLang="ko-KR" dirty="0">
+                <a:solidFill>
+                  <a:srgbClr val="FFFFFF"/>
+                </a:solidFill>
+              </a:rPr>
+              <a:t>: 8958 2577</a:t>
+            </a:r>
+          </a:p>
+          <a:p>
+            <a:pPr marL="0" indent="0">
+              <a:buNone/>
+            </a:pPr>
+            <a:endParaRPr lang="en-US" altLang="ko-KR" dirty="0">
+              <a:solidFill>
+                <a:srgbClr val="FFFFFF"/>
+              </a:solidFill>
+            </a:endParaRPr>
+          </a:p>
+          <a:p>
+            <a:pPr marL="0" indent="0">
+              <a:buNone/>
+            </a:pPr>
+            <a:r>
+              <a:rPr lang="en-US" altLang="ko-KR" dirty="0">
+                <a:solidFill>
+                  <a:srgbClr val="FFFFFF"/>
+                </a:solidFill>
+              </a:rPr>
+              <a:t>+ </a:t>
+            </a:r>
+            <a:r>
+              <a:rPr lang="ko-KR" altLang="en-US" dirty="0">
+                <a:solidFill>
+                  <a:srgbClr val="FFFFFF"/>
+                </a:solidFill>
+              </a:rPr>
+              <a:t>다음 시간에 나갈 진도 미리 살펴보고 문서로 정리해서 제출</a:t>
+            </a:r>
+          </a:p>
+        </p:txBody>
+      </p:sp>
+    </p:spTree>
+    <p:extLst>
+      <p:ext uri="{BB962C8B-B14F-4D97-AF65-F5344CB8AC3E}">
+        <p14:creationId xmlns:p14="http://schemas.microsoft.com/office/powerpoint/2010/main" val="766880181"/>
+      </p:ext>
+    </p:extLst>
+  </p:cSld>
+  <p:clrMapOvr>
+    <a:overrideClrMapping bg1="dk1" tx1="lt1" bg2="dk2" tx2="lt2" accent1="accent1" accent2="accent2" accent3="accent3" accent4="accent4" accent5="accent5" accent6="accent6" hlink="hlink" folHlink="folHlink"/>
+  </p:clrMapOvr>
+</p:sld>
+</file>
+
+<file path=ppt/slides/slide3.xml><?xml version="1.0" encoding="utf-8"?>
+<p:sld xmlns:a="http://schemas.openxmlformats.org/drawingml/2006/main" xmlns:r="http://schemas.openxmlformats.org/officeDocument/2006/relationships" xmlns:p="http://schemas.openxmlformats.org/presentationml/2006/main">
+  <p:cSld>
+    <p:bg>
+      <p:bgPr>
+        <a:solidFill>
+          <a:schemeClr val="bg1"/>
+        </a:solidFill>
+        <a:effectLst/>
+      </p:bgPr>
+    </p:bg>
+    <p:spTree>
+      <p:nvGrpSpPr>
+        <p:cNvPr id="1" name=""/>
+        <p:cNvGrpSpPr/>
+        <p:nvPr/>
+      </p:nvGrpSpPr>
+      <p:grpSpPr>
+        <a:xfrm>
+          <a:off x="0" y="0"/>
+          <a:ext cx="0" cy="0"/>
+          <a:chOff x="0" y="0"/>
+          <a:chExt cx="0" cy="0"/>
+        </a:xfrm>
+      </p:grpSpPr>
+      <p:sp>
+        <p:nvSpPr>
+          <p:cNvPr id="30" name="Rectangle 29">
             <a:extLst>
               <a:ext uri="{FF2B5EF4-FFF2-40B4-BE49-F238E27FC236}">
                 <a16:creationId xmlns:a16="http://schemas.microsoft.com/office/drawing/2014/main" id="{EE39DFCF-9247-4DE5-BB93-074BFAF07A3F}"/>
@@ -13246,7 +13572,7 @@
       </p:sp>
       <p:sp>
         <p:nvSpPr>
-          <p:cNvPr id="19" name="Freeform: Shape 18">
+          <p:cNvPr id="32" name="Freeform: Shape 31">
             <a:extLst>
               <a:ext uri="{FF2B5EF4-FFF2-40B4-BE49-F238E27FC236}">
                 <a16:creationId xmlns:a16="http://schemas.microsoft.com/office/drawing/2014/main" id="{442B652E-D499-4CDA-8F7A-60469EDBCBE3}"/>
@@ -13364,7 +13690,7 @@
       </p:sp>
       <p:sp>
         <p:nvSpPr>
-          <p:cNvPr id="21" name="Freeform: Shape 20">
+          <p:cNvPr id="34" name="Freeform: Shape 33">
             <a:extLst>
               <a:ext uri="{FF2B5EF4-FFF2-40B4-BE49-F238E27FC236}">
                 <a16:creationId xmlns:a16="http://schemas.microsoft.com/office/drawing/2014/main" id="{484A22B8-F5B6-47C2-B88E-DADAF379130D}"/>
@@ -13482,7 +13808,7 @@
       </p:sp>
       <p:sp>
         <p:nvSpPr>
-          <p:cNvPr id="23" name="Isosceles Triangle 22">
+          <p:cNvPr id="36" name="Isosceles Triangle 35">
             <a:extLst>
               <a:ext uri="{FF2B5EF4-FFF2-40B4-BE49-F238E27FC236}">
                 <a16:creationId xmlns:a16="http://schemas.microsoft.com/office/drawing/2014/main" id="{A987C18C-164D-4263-B486-4647A98E888E}"/>
@@ -13547,7 +13873,7 @@
       </p:sp>
       <p:sp>
         <p:nvSpPr>
-          <p:cNvPr id="25" name="Isosceles Triangle 24">
+          <p:cNvPr id="38" name="Isosceles Triangle 37">
             <a:extLst>
               <a:ext uri="{FF2B5EF4-FFF2-40B4-BE49-F238E27FC236}">
                 <a16:creationId xmlns:a16="http://schemas.microsoft.com/office/drawing/2014/main" id="{E7E98B39-04C6-408B-92FD-76862874063D}"/>
@@ -13612,7 +13938,7 @@
       </p:sp>
       <p:sp>
         <p:nvSpPr>
-          <p:cNvPr id="27" name="Freeform: Shape 26">
+          <p:cNvPr id="40" name="Freeform: Shape 39">
             <a:extLst>
               <a:ext uri="{FF2B5EF4-FFF2-40B4-BE49-F238E27FC236}">
                 <a16:creationId xmlns:a16="http://schemas.microsoft.com/office/drawing/2014/main" id="{981C8C27-2457-421F-BDC4-7B4EA3C78286}"/>
@@ -13736,7 +14062,7 @@
       </p:sp>
       <p:sp>
         <p:nvSpPr>
-          <p:cNvPr id="29" name="Rectangle 28">
+          <p:cNvPr id="42" name="Rectangle 41">
             <a:extLst>
               <a:ext uri="{FF2B5EF4-FFF2-40B4-BE49-F238E27FC236}">
                 <a16:creationId xmlns:a16="http://schemas.microsoft.com/office/drawing/2014/main" id="{CEA13C66-82C1-44AF-972B-8F5CCA41B6D9}"/>
@@ -13803,7 +14129,7 @@
       </p:sp>
       <p:sp>
         <p:nvSpPr>
-          <p:cNvPr id="31" name="Freeform: Shape 30">
+          <p:cNvPr id="44" name="Freeform: Shape 43">
             <a:extLst>
               <a:ext uri="{FF2B5EF4-FFF2-40B4-BE49-F238E27FC236}">
                 <a16:creationId xmlns:a16="http://schemas.microsoft.com/office/drawing/2014/main" id="{9DB36437-FE59-457E-91A7-396BBD3C9C6A}"/>
@@ -13985,7 +14311,7 @@
           <p:cNvPr id="2" name="제목 1">
             <a:extLst>
               <a:ext uri="{FF2B5EF4-FFF2-40B4-BE49-F238E27FC236}">
-                <a16:creationId xmlns:a16="http://schemas.microsoft.com/office/drawing/2014/main" id="{7B91F71E-80CB-4538-AA77-DE8333FAF097}"/>
+                <a16:creationId xmlns:a16="http://schemas.microsoft.com/office/drawing/2014/main" id="{C8157C3D-12E1-4E13-9810-C0B928A5E589}"/>
               </a:ext>
             </a:extLst>
           </p:cNvPr>
@@ -14010,6 +14336,17 @@
           <a:lstStyle/>
           <a:p>
             <a:pPr algn="ctr" latinLnBrk="0"/>
+            <a:r>
+              <a:rPr lang="en-US" altLang="ko-KR" sz="3600" kern="1200">
+                <a:solidFill>
+                  <a:srgbClr val="080808"/>
+                </a:solidFill>
+                <a:latin typeface="+mj-lt"/>
+                <a:ea typeface="+mj-ea"/>
+                <a:cs typeface="+mj-cs"/>
+              </a:rPr>
+              <a:t>2</a:t>
+            </a:r>
             <a:r>
               <a:rPr lang="ko-KR" altLang="en-US" sz="3600" kern="1200">
                 <a:solidFill>
@@ -14019,14 +14356,14 @@
                 <a:ea typeface="+mj-ea"/>
                 <a:cs typeface="+mj-cs"/>
               </a:rPr>
-              <a:t>끝</a:t>
-            </a:r>
-          </a:p>
-        </p:txBody>
-      </p:sp>
-      <p:sp>
-        <p:nvSpPr>
-          <p:cNvPr id="33" name="Rectangle 32">
+              <a:t>주차 추가문제 풀이</a:t>
+            </a:r>
+          </a:p>
+        </p:txBody>
+      </p:sp>
+      <p:sp>
+        <p:nvSpPr>
+          <p:cNvPr id="46" name="Rectangle 45">
             <a:extLst>
               <a:ext uri="{FF2B5EF4-FFF2-40B4-BE49-F238E27FC236}">
                 <a16:creationId xmlns:a16="http://schemas.microsoft.com/office/drawing/2014/main" id="{844D3693-2EFE-4667-89D5-47E2D5920912}"/>
@@ -14091,7 +14428,7 @@
       </p:sp>
       <p:sp>
         <p:nvSpPr>
-          <p:cNvPr id="35" name="Rectangle 34">
+          <p:cNvPr id="48" name="Rectangle 47">
             <a:extLst>
               <a:ext uri="{FF2B5EF4-FFF2-40B4-BE49-F238E27FC236}">
                 <a16:creationId xmlns:a16="http://schemas.microsoft.com/office/drawing/2014/main" id="{C21FD796-9CD0-404D-8DF5-5274C0BCC754}"/>
@@ -14159,7 +14496,7 @@
     </p:spTree>
     <p:extLst>
       <p:ext uri="{BB962C8B-B14F-4D97-AF65-F5344CB8AC3E}">
-        <p14:creationId xmlns:p14="http://schemas.microsoft.com/office/powerpoint/2010/main" val="2690660959"/>
+        <p14:creationId xmlns:p14="http://schemas.microsoft.com/office/powerpoint/2010/main" val="2252098748"/>
       </p:ext>
     </p:extLst>
   </p:cSld>
@@ -14169,7 +14506,7 @@
 </p:sld>
 </file>
 
-<file path=ppt/slides/slide3.xml><?xml version="1.0" encoding="utf-8"?>
+<file path=ppt/slides/slide30.xml><?xml version="1.0" encoding="utf-8"?>
 <p:sld xmlns:a="http://schemas.openxmlformats.org/drawingml/2006/main" xmlns:r="http://schemas.openxmlformats.org/officeDocument/2006/relationships" xmlns:p="http://schemas.openxmlformats.org/presentationml/2006/main">
   <p:cSld>
     <p:bg>
@@ -14196,7 +14533,7 @@
       </p:grpSpPr>
       <p:sp>
         <p:nvSpPr>
-          <p:cNvPr id="30" name="Rectangle 29">
+          <p:cNvPr id="17" name="Rectangle 16">
             <a:extLst>
               <a:ext uri="{FF2B5EF4-FFF2-40B4-BE49-F238E27FC236}">
                 <a16:creationId xmlns:a16="http://schemas.microsoft.com/office/drawing/2014/main" id="{EE39DFCF-9247-4DE5-BB93-074BFAF07A3F}"/>
@@ -14259,7 +14596,7 @@
       </p:sp>
       <p:sp>
         <p:nvSpPr>
-          <p:cNvPr id="32" name="Freeform: Shape 31">
+          <p:cNvPr id="19" name="Freeform: Shape 18">
             <a:extLst>
               <a:ext uri="{FF2B5EF4-FFF2-40B4-BE49-F238E27FC236}">
                 <a16:creationId xmlns:a16="http://schemas.microsoft.com/office/drawing/2014/main" id="{442B652E-D499-4CDA-8F7A-60469EDBCBE3}"/>
@@ -14377,7 +14714,7 @@
       </p:sp>
       <p:sp>
         <p:nvSpPr>
-          <p:cNvPr id="34" name="Freeform: Shape 33">
+          <p:cNvPr id="21" name="Freeform: Shape 20">
             <a:extLst>
               <a:ext uri="{FF2B5EF4-FFF2-40B4-BE49-F238E27FC236}">
                 <a16:creationId xmlns:a16="http://schemas.microsoft.com/office/drawing/2014/main" id="{484A22B8-F5B6-47C2-B88E-DADAF379130D}"/>
@@ -14495,7 +14832,7 @@
       </p:sp>
       <p:sp>
         <p:nvSpPr>
-          <p:cNvPr id="36" name="Isosceles Triangle 35">
+          <p:cNvPr id="23" name="Isosceles Triangle 22">
             <a:extLst>
               <a:ext uri="{FF2B5EF4-FFF2-40B4-BE49-F238E27FC236}">
                 <a16:creationId xmlns:a16="http://schemas.microsoft.com/office/drawing/2014/main" id="{A987C18C-164D-4263-B486-4647A98E888E}"/>
@@ -14560,7 +14897,7 @@
       </p:sp>
       <p:sp>
         <p:nvSpPr>
-          <p:cNvPr id="38" name="Isosceles Triangle 37">
+          <p:cNvPr id="25" name="Isosceles Triangle 24">
             <a:extLst>
               <a:ext uri="{FF2B5EF4-FFF2-40B4-BE49-F238E27FC236}">
                 <a16:creationId xmlns:a16="http://schemas.microsoft.com/office/drawing/2014/main" id="{E7E98B39-04C6-408B-92FD-76862874063D}"/>
@@ -14625,7 +14962,7 @@
       </p:sp>
       <p:sp>
         <p:nvSpPr>
-          <p:cNvPr id="40" name="Freeform: Shape 39">
+          <p:cNvPr id="27" name="Freeform: Shape 26">
             <a:extLst>
               <a:ext uri="{FF2B5EF4-FFF2-40B4-BE49-F238E27FC236}">
                 <a16:creationId xmlns:a16="http://schemas.microsoft.com/office/drawing/2014/main" id="{981C8C27-2457-421F-BDC4-7B4EA3C78286}"/>
@@ -14749,7 +15086,7 @@
       </p:sp>
       <p:sp>
         <p:nvSpPr>
-          <p:cNvPr id="42" name="Rectangle 41">
+          <p:cNvPr id="29" name="Rectangle 28">
             <a:extLst>
               <a:ext uri="{FF2B5EF4-FFF2-40B4-BE49-F238E27FC236}">
                 <a16:creationId xmlns:a16="http://schemas.microsoft.com/office/drawing/2014/main" id="{CEA13C66-82C1-44AF-972B-8F5CCA41B6D9}"/>
@@ -14816,7 +15153,7 @@
       </p:sp>
       <p:sp>
         <p:nvSpPr>
-          <p:cNvPr id="44" name="Freeform: Shape 43">
+          <p:cNvPr id="31" name="Freeform: Shape 30">
             <a:extLst>
               <a:ext uri="{FF2B5EF4-FFF2-40B4-BE49-F238E27FC236}">
                 <a16:creationId xmlns:a16="http://schemas.microsoft.com/office/drawing/2014/main" id="{9DB36437-FE59-457E-91A7-396BBD3C9C6A}"/>
@@ -14998,7 +15335,7 @@
           <p:cNvPr id="2" name="제목 1">
             <a:extLst>
               <a:ext uri="{FF2B5EF4-FFF2-40B4-BE49-F238E27FC236}">
-                <a16:creationId xmlns:a16="http://schemas.microsoft.com/office/drawing/2014/main" id="{C8157C3D-12E1-4E13-9810-C0B928A5E589}"/>
+                <a16:creationId xmlns:a16="http://schemas.microsoft.com/office/drawing/2014/main" id="{7B91F71E-80CB-4538-AA77-DE8333FAF097}"/>
               </a:ext>
             </a:extLst>
           </p:cNvPr>
@@ -15023,17 +15360,6 @@
           <a:lstStyle/>
           <a:p>
             <a:pPr algn="ctr" latinLnBrk="0"/>
-            <a:r>
-              <a:rPr lang="en-US" altLang="ko-KR" sz="3600" kern="1200">
-                <a:solidFill>
-                  <a:srgbClr val="080808"/>
-                </a:solidFill>
-                <a:latin typeface="+mj-lt"/>
-                <a:ea typeface="+mj-ea"/>
-                <a:cs typeface="+mj-cs"/>
-              </a:rPr>
-              <a:t>2</a:t>
-            </a:r>
             <a:r>
               <a:rPr lang="ko-KR" altLang="en-US" sz="3600" kern="1200">
                 <a:solidFill>
@@ -15043,14 +15369,14 @@
                 <a:ea typeface="+mj-ea"/>
                 <a:cs typeface="+mj-cs"/>
               </a:rPr>
-              <a:t>주차 추가문제 풀이</a:t>
-            </a:r>
-          </a:p>
-        </p:txBody>
-      </p:sp>
-      <p:sp>
-        <p:nvSpPr>
-          <p:cNvPr id="46" name="Rectangle 45">
+              <a:t>끝</a:t>
+            </a:r>
+          </a:p>
+        </p:txBody>
+      </p:sp>
+      <p:sp>
+        <p:nvSpPr>
+          <p:cNvPr id="33" name="Rectangle 32">
             <a:extLst>
               <a:ext uri="{FF2B5EF4-FFF2-40B4-BE49-F238E27FC236}">
                 <a16:creationId xmlns:a16="http://schemas.microsoft.com/office/drawing/2014/main" id="{844D3693-2EFE-4667-89D5-47E2D5920912}"/>
@@ -15115,7 +15441,7 @@
       </p:sp>
       <p:sp>
         <p:nvSpPr>
-          <p:cNvPr id="48" name="Rectangle 47">
+          <p:cNvPr id="35" name="Rectangle 34">
             <a:extLst>
               <a:ext uri="{FF2B5EF4-FFF2-40B4-BE49-F238E27FC236}">
                 <a16:creationId xmlns:a16="http://schemas.microsoft.com/office/drawing/2014/main" id="{C21FD796-9CD0-404D-8DF5-5274C0BCC754}"/>
@@ -15183,7 +15509,7 @@
     </p:spTree>
     <p:extLst>
       <p:ext uri="{BB962C8B-B14F-4D97-AF65-F5344CB8AC3E}">
-        <p14:creationId xmlns:p14="http://schemas.microsoft.com/office/powerpoint/2010/main" val="2252098748"/>
+        <p14:creationId xmlns:p14="http://schemas.microsoft.com/office/powerpoint/2010/main" val="2690660959"/>
       </p:ext>
     </p:extLst>
   </p:cSld>

--- a/c# 스터디 3주 차.pptx
+++ b/c# 스터디 3주 차.pptx
@@ -226,7 +226,7 @@
           <a:p>
             <a:fld id="{843A12A9-14F0-4D34-9920-C4C03DA65D9C}" type="datetimeFigureOut">
               <a:rPr lang="ko-KR" altLang="en-US" smtClean="0"/>
-              <a:t>2020-04-22</a:t>
+              <a:t>2020-04-25</a:t>
             </a:fld>
             <a:endParaRPr lang="ko-KR" altLang="en-US"/>
           </a:p>
@@ -580,6 +580,90 @@
 </p:notes>
 </file>
 
+<file path=ppt/notesSlides/notesSlide2.xml><?xml version="1.0" encoding="utf-8"?>
+<p:notes xmlns:a="http://schemas.openxmlformats.org/drawingml/2006/main" xmlns:r="http://schemas.openxmlformats.org/officeDocument/2006/relationships" xmlns:p="http://schemas.openxmlformats.org/presentationml/2006/main">
+  <p:cSld>
+    <p:spTree>
+      <p:nvGrpSpPr>
+        <p:cNvPr id="1" name=""/>
+        <p:cNvGrpSpPr/>
+        <p:nvPr/>
+      </p:nvGrpSpPr>
+      <p:grpSpPr>
+        <a:xfrm>
+          <a:off x="0" y="0"/>
+          <a:ext cx="0" cy="0"/>
+          <a:chOff x="0" y="0"/>
+          <a:chExt cx="0" cy="0"/>
+        </a:xfrm>
+      </p:grpSpPr>
+      <p:sp>
+        <p:nvSpPr>
+          <p:cNvPr id="2" name="슬라이드 이미지 개체 틀 1"/>
+          <p:cNvSpPr>
+            <a:spLocks noGrp="1" noRot="1" noChangeAspect="1"/>
+          </p:cNvSpPr>
+          <p:nvPr>
+            <p:ph type="sldImg"/>
+          </p:nvPr>
+        </p:nvSpPr>
+        <p:spPr/>
+      </p:sp>
+      <p:sp>
+        <p:nvSpPr>
+          <p:cNvPr id="3" name="슬라이드 노트 개체 틀 2"/>
+          <p:cNvSpPr>
+            <a:spLocks noGrp="1"/>
+          </p:cNvSpPr>
+          <p:nvPr>
+            <p:ph type="body" idx="1"/>
+          </p:nvPr>
+        </p:nvSpPr>
+        <p:spPr/>
+        <p:txBody>
+          <a:bodyPr/>
+          <a:lstStyle/>
+          <a:p>
+            <a:endParaRPr lang="ko-KR" altLang="en-US" dirty="0"/>
+          </a:p>
+        </p:txBody>
+      </p:sp>
+      <p:sp>
+        <p:nvSpPr>
+          <p:cNvPr id="4" name="슬라이드 번호 개체 틀 3"/>
+          <p:cNvSpPr>
+            <a:spLocks noGrp="1"/>
+          </p:cNvSpPr>
+          <p:nvPr>
+            <p:ph type="sldNum" sz="quarter" idx="5"/>
+          </p:nvPr>
+        </p:nvSpPr>
+        <p:spPr/>
+        <p:txBody>
+          <a:bodyPr/>
+          <a:lstStyle/>
+          <a:p>
+            <a:fld id="{639DAEC5-9F40-44C6-BAFD-CA5B8C8DC012}" type="slidenum">
+              <a:rPr lang="ko-KR" altLang="en-US" smtClean="0"/>
+              <a:t>26</a:t>
+            </a:fld>
+            <a:endParaRPr lang="ko-KR" altLang="en-US"/>
+          </a:p>
+        </p:txBody>
+      </p:sp>
+    </p:spTree>
+    <p:extLst>
+      <p:ext uri="{BB962C8B-B14F-4D97-AF65-F5344CB8AC3E}">
+        <p14:creationId xmlns:p14="http://schemas.microsoft.com/office/powerpoint/2010/main" val="2559736141"/>
+      </p:ext>
+    </p:extLst>
+  </p:cSld>
+  <p:clrMapOvr>
+    <a:masterClrMapping/>
+  </p:clrMapOvr>
+</p:notes>
+</file>
+
 <file path=ppt/slideLayouts/slideLayout1.xml><?xml version="1.0" encoding="utf-8"?>
 <p:sldLayout xmlns:a="http://schemas.openxmlformats.org/drawingml/2006/main" xmlns:r="http://schemas.openxmlformats.org/officeDocument/2006/relationships" xmlns:p="http://schemas.openxmlformats.org/presentationml/2006/main" type="title" preserve="1">
   <p:cSld name="제목 슬라이드">
@@ -727,7 +811,7 @@
           <a:p>
             <a:fld id="{0EF42388-C34B-4C90-8013-177ADA506B7D}" type="datetimeFigureOut">
               <a:rPr lang="ko-KR" altLang="en-US" smtClean="0"/>
-              <a:t>2020-04-22</a:t>
+              <a:t>2020-04-25</a:t>
             </a:fld>
             <a:endParaRPr lang="ko-KR" altLang="en-US"/>
           </a:p>
@@ -925,7 +1009,7 @@
           <a:p>
             <a:fld id="{0EF42388-C34B-4C90-8013-177ADA506B7D}" type="datetimeFigureOut">
               <a:rPr lang="ko-KR" altLang="en-US" smtClean="0"/>
-              <a:t>2020-04-22</a:t>
+              <a:t>2020-04-25</a:t>
             </a:fld>
             <a:endParaRPr lang="ko-KR" altLang="en-US"/>
           </a:p>
@@ -1133,7 +1217,7 @@
           <a:p>
             <a:fld id="{0EF42388-C34B-4C90-8013-177ADA506B7D}" type="datetimeFigureOut">
               <a:rPr lang="ko-KR" altLang="en-US" smtClean="0"/>
-              <a:t>2020-04-22</a:t>
+              <a:t>2020-04-25</a:t>
             </a:fld>
             <a:endParaRPr lang="ko-KR" altLang="en-US"/>
           </a:p>
@@ -1331,7 +1415,7 @@
           <a:p>
             <a:fld id="{0EF42388-C34B-4C90-8013-177ADA506B7D}" type="datetimeFigureOut">
               <a:rPr lang="ko-KR" altLang="en-US" smtClean="0"/>
-              <a:t>2020-04-22</a:t>
+              <a:t>2020-04-25</a:t>
             </a:fld>
             <a:endParaRPr lang="ko-KR" altLang="en-US"/>
           </a:p>
@@ -1606,7 +1690,7 @@
           <a:p>
             <a:fld id="{0EF42388-C34B-4C90-8013-177ADA506B7D}" type="datetimeFigureOut">
               <a:rPr lang="ko-KR" altLang="en-US" smtClean="0"/>
-              <a:t>2020-04-22</a:t>
+              <a:t>2020-04-25</a:t>
             </a:fld>
             <a:endParaRPr lang="ko-KR" altLang="en-US"/>
           </a:p>
@@ -1871,7 +1955,7 @@
           <a:p>
             <a:fld id="{0EF42388-C34B-4C90-8013-177ADA506B7D}" type="datetimeFigureOut">
               <a:rPr lang="ko-KR" altLang="en-US" smtClean="0"/>
-              <a:t>2020-04-22</a:t>
+              <a:t>2020-04-25</a:t>
             </a:fld>
             <a:endParaRPr lang="ko-KR" altLang="en-US"/>
           </a:p>
@@ -2283,7 +2367,7 @@
           <a:p>
             <a:fld id="{0EF42388-C34B-4C90-8013-177ADA506B7D}" type="datetimeFigureOut">
               <a:rPr lang="ko-KR" altLang="en-US" smtClean="0"/>
-              <a:t>2020-04-22</a:t>
+              <a:t>2020-04-25</a:t>
             </a:fld>
             <a:endParaRPr lang="ko-KR" altLang="en-US"/>
           </a:p>
@@ -2424,7 +2508,7 @@
           <a:p>
             <a:fld id="{0EF42388-C34B-4C90-8013-177ADA506B7D}" type="datetimeFigureOut">
               <a:rPr lang="ko-KR" altLang="en-US" smtClean="0"/>
-              <a:t>2020-04-22</a:t>
+              <a:t>2020-04-25</a:t>
             </a:fld>
             <a:endParaRPr lang="ko-KR" altLang="en-US"/>
           </a:p>
@@ -2537,7 +2621,7 @@
           <a:p>
             <a:fld id="{0EF42388-C34B-4C90-8013-177ADA506B7D}" type="datetimeFigureOut">
               <a:rPr lang="ko-KR" altLang="en-US" smtClean="0"/>
-              <a:t>2020-04-22</a:t>
+              <a:t>2020-04-25</a:t>
             </a:fld>
             <a:endParaRPr lang="ko-KR" altLang="en-US"/>
           </a:p>
@@ -2848,7 +2932,7 @@
           <a:p>
             <a:fld id="{0EF42388-C34B-4C90-8013-177ADA506B7D}" type="datetimeFigureOut">
               <a:rPr lang="ko-KR" altLang="en-US" smtClean="0"/>
-              <a:t>2020-04-22</a:t>
+              <a:t>2020-04-25</a:t>
             </a:fld>
             <a:endParaRPr lang="ko-KR" altLang="en-US"/>
           </a:p>
@@ -3136,7 +3220,7 @@
           <a:p>
             <a:fld id="{0EF42388-C34B-4C90-8013-177ADA506B7D}" type="datetimeFigureOut">
               <a:rPr lang="ko-KR" altLang="en-US" smtClean="0"/>
-              <a:t>2020-04-22</a:t>
+              <a:t>2020-04-25</a:t>
             </a:fld>
             <a:endParaRPr lang="ko-KR" altLang="en-US"/>
           </a:p>
@@ -3377,7 +3461,7 @@
           <a:p>
             <a:fld id="{0EF42388-C34B-4C90-8013-177ADA506B7D}" type="datetimeFigureOut">
               <a:rPr lang="ko-KR" altLang="en-US" smtClean="0"/>
-              <a:t>2020-04-22</a:t>
+              <a:t>2020-04-25</a:t>
             </a:fld>
             <a:endParaRPr lang="ko-KR" altLang="en-US"/>
           </a:p>
@@ -4679,28 +4763,36 @@
               <a:buNone/>
             </a:pPr>
             <a:r>
-              <a:rPr lang="en-US" altLang="ko-KR" sz="2400"/>
+              <a:rPr lang="en-US" altLang="ko-KR" sz="2400" dirty="0"/>
               <a:t>10</a:t>
             </a:r>
             <a:r>
-              <a:rPr lang="ko-KR" altLang="en-US" sz="2400"/>
+              <a:rPr lang="ko-KR" altLang="en-US" sz="2400" dirty="0"/>
               <a:t>개의 변수를 저장할 수 있는 배열을 만들고 </a:t>
             </a:r>
             <a:r>
-              <a:rPr lang="en-US" altLang="ko-KR" sz="2400"/>
+              <a:rPr lang="en-US" altLang="ko-KR" sz="2400" dirty="0"/>
               <a:t>console</a:t>
             </a:r>
             <a:r>
-              <a:rPr lang="ko-KR" altLang="en-US" sz="2400"/>
+              <a:rPr lang="ko-KR" altLang="en-US" sz="2400" dirty="0"/>
               <a:t>창을 통해서 </a:t>
             </a:r>
             <a:r>
-              <a:rPr lang="en-US" altLang="ko-KR" sz="2400"/>
+              <a:rPr lang="en-US" altLang="ko-KR" sz="2400" dirty="0"/>
               <a:t>10</a:t>
             </a:r>
             <a:r>
-              <a:rPr lang="ko-KR" altLang="en-US" sz="2400"/>
-              <a:t>개의 수를 입력 받고 출력하는 코드를 작성하시오 </a:t>
+              <a:rPr lang="ko-KR" altLang="en-US" sz="2400" dirty="0"/>
+              <a:t>개의 수를 입력 받고 출력하는 코드를 </a:t>
+            </a:r>
+            <a:r>
+              <a:rPr lang="ko-KR" altLang="en-US" sz="2400" dirty="0" err="1"/>
+              <a:t>작성하시오</a:t>
+            </a:r>
+            <a:r>
+              <a:rPr lang="ko-KR" altLang="en-US" sz="2400" dirty="0"/>
+              <a:t> </a:t>
             </a:r>
           </a:p>
         </p:txBody>
@@ -6467,7 +6559,7 @@
               <a:t> </a:t>
             </a:r>
             <a:r>
-              <a:rPr lang="ko-KR" altLang="en-US" sz="2400"/>
+              <a:rPr lang="ko-KR" altLang="en-US" sz="2400" dirty="0" err="1"/>
               <a:t>반환값</a:t>
             </a:r>
             <a:endParaRPr lang="en-US" altLang="ko-KR" sz="2400" dirty="0"/>
@@ -6714,8 +6806,8 @@
               <a:buNone/>
             </a:pPr>
             <a:r>
-              <a:rPr lang="en-US" altLang="ko-KR" sz="2400"/>
-              <a:t>public static int Plus(int a, int b)</a:t>
+              <a:rPr lang="en-US" altLang="ko-KR" sz="2400" dirty="0"/>
+              <a:t>int Plus(int a, int b)</a:t>
             </a:r>
           </a:p>
           <a:p>
@@ -6723,7 +6815,7 @@
               <a:buNone/>
             </a:pPr>
             <a:r>
-              <a:rPr lang="en-US" altLang="ko-KR" sz="2400"/>
+              <a:rPr lang="en-US" altLang="ko-KR" sz="2400" dirty="0"/>
               <a:t>{</a:t>
             </a:r>
           </a:p>
@@ -6732,8 +6824,24 @@
               <a:buNone/>
             </a:pPr>
             <a:r>
-              <a:rPr lang="en-US" altLang="ko-KR" sz="2400"/>
-              <a:t>	Console.WriteLine(“{0} + {1} =“,a,b);</a:t>
+              <a:rPr lang="en-US" altLang="ko-KR" sz="2400" dirty="0"/>
+              <a:t>	</a:t>
+            </a:r>
+            <a:r>
+              <a:rPr lang="en-US" altLang="ko-KR" sz="2400" dirty="0" err="1"/>
+              <a:t>Console.WriteLine</a:t>
+            </a:r>
+            <a:r>
+              <a:rPr lang="en-US" altLang="ko-KR" sz="2400" dirty="0"/>
+              <a:t>(“{0} + {1} =“,</a:t>
+            </a:r>
+            <a:r>
+              <a:rPr lang="en-US" altLang="ko-KR" sz="2400" dirty="0" err="1"/>
+              <a:t>a,b</a:t>
+            </a:r>
+            <a:r>
+              <a:rPr lang="en-US" altLang="ko-KR" sz="2400" dirty="0"/>
+              <a:t>);</a:t>
             </a:r>
           </a:p>
           <a:p>
@@ -6741,7 +6849,7 @@
               <a:buNone/>
             </a:pPr>
             <a:r>
-              <a:rPr lang="en-US" altLang="ko-KR" sz="2400"/>
+              <a:rPr lang="en-US" altLang="ko-KR" sz="2400" dirty="0"/>
               <a:t>	return a + b;</a:t>
             </a:r>
           </a:p>
@@ -6750,10 +6858,10 @@
               <a:buNone/>
             </a:pPr>
             <a:r>
-              <a:rPr lang="en-US" altLang="ko-KR" sz="2400"/>
+              <a:rPr lang="en-US" altLang="ko-KR" sz="2400" dirty="0"/>
               <a:t>}</a:t>
             </a:r>
-            <a:endParaRPr lang="ko-KR" altLang="en-US" sz="2400"/>
+            <a:endParaRPr lang="ko-KR" altLang="en-US" sz="2400" dirty="0"/>
           </a:p>
         </p:txBody>
       </p:sp>
@@ -7254,7 +7362,7 @@
             </a:pPr>
             <a:r>
               <a:rPr lang="en-US" altLang="ko-KR" sz="2400" dirty="0"/>
-              <a:t> private static void Hello(string name)</a:t>
+              <a:t>void Hello(string name)</a:t>
             </a:r>
           </a:p>
           <a:p>
@@ -8638,7 +8746,7 @@
             </a:pPr>
             <a:r>
               <a:rPr lang="en-US" altLang="ko-KR" sz="1300" dirty="0"/>
-              <a:t> static int a = 1, b = 2;</a:t>
+              <a:t>int a = 1, b = 2;</a:t>
             </a:r>
           </a:p>
           <a:p>
@@ -9613,7 +9721,7 @@
             </a:pPr>
             <a:r>
               <a:rPr lang="en-US" altLang="ko-KR" sz="1400" dirty="0"/>
-              <a:t> static int a = 1, b = 2;</a:t>
+              <a:t>int a = 1, b = 2;</a:t>
             </a:r>
           </a:p>
           <a:p>
@@ -9622,7 +9730,7 @@
             </a:pPr>
             <a:r>
               <a:rPr lang="en-US" altLang="ko-KR" sz="1400" dirty="0"/>
-              <a:t>        private static bool Swap(ref int x, ref int y)</a:t>
+              <a:t>bool Swap(ref int x, ref int y)</a:t>
             </a:r>
           </a:p>
           <a:p>
@@ -12136,11 +12244,11 @@
               <a:buNone/>
             </a:pPr>
             <a:r>
-              <a:rPr lang="ko-KR" altLang="en-US" sz="2400"/>
+              <a:rPr lang="ko-KR" altLang="en-US" sz="2400" dirty="0"/>
               <a:t>버블 정렬은 가장 기본적인 정렬 방법 중 하나입니다</a:t>
             </a:r>
             <a:r>
-              <a:rPr lang="en-US" altLang="ko-KR" sz="2400"/>
+              <a:rPr lang="en-US" altLang="ko-KR" sz="2400" dirty="0"/>
               <a:t>.</a:t>
             </a:r>
           </a:p>
@@ -12149,14 +12257,14 @@
               <a:buNone/>
             </a:pPr>
             <a:r>
-              <a:rPr lang="ko-KR" altLang="en-US" sz="2400"/>
-              <a:t>버블 정렬을 이해하면서 프로그래밍의 작동 구조를 이해해 봅시다</a:t>
-            </a:r>
-            <a:r>
-              <a:rPr lang="en-US" altLang="ko-KR" sz="2400"/>
+              <a:rPr lang="ko-KR" altLang="en-US" sz="2400" dirty="0"/>
+              <a:t>버블 정렬을 이해하면서 프로그램의 작동 구조를 이해해 봅시다</a:t>
+            </a:r>
+            <a:r>
+              <a:rPr lang="en-US" altLang="ko-KR" sz="2400" dirty="0"/>
               <a:t>.</a:t>
             </a:r>
-            <a:endParaRPr lang="ko-KR" altLang="en-US" sz="2400"/>
+            <a:endParaRPr lang="ko-KR" altLang="en-US" sz="2400" dirty="0"/>
           </a:p>
         </p:txBody>
       </p:sp>
@@ -12390,17 +12498,17 @@
               <a:buNone/>
             </a:pPr>
             <a:r>
-              <a:rPr lang="ko-KR" altLang="en-US" sz="1500"/>
+              <a:rPr lang="ko-KR" altLang="en-US" sz="1500" dirty="0"/>
               <a:t>코드로 표현하면 다음과 같습니다</a:t>
             </a:r>
-            <a:endParaRPr lang="en-US" altLang="ko-KR" sz="1500"/>
+            <a:endParaRPr lang="en-US" altLang="ko-KR" sz="1500" dirty="0"/>
           </a:p>
           <a:p>
             <a:pPr marL="0" indent="0">
               <a:buNone/>
             </a:pPr>
             <a:r>
-              <a:rPr lang="en-US" altLang="ko-KR" sz="1500"/>
+              <a:rPr lang="en-US" altLang="ko-KR" sz="1500" dirty="0"/>
               <a:t> private static void Sort(int[] array)</a:t>
             </a:r>
           </a:p>
@@ -12409,11 +12517,11 @@
               <a:buNone/>
             </a:pPr>
             <a:r>
-              <a:rPr lang="ko-KR" altLang="en-US" sz="1500"/>
+              <a:rPr lang="ko-KR" altLang="en-US" sz="1500" dirty="0"/>
               <a:t>        </a:t>
             </a:r>
             <a:r>
-              <a:rPr lang="en-US" altLang="ko-KR" sz="1500"/>
+              <a:rPr lang="en-US" altLang="ko-KR" sz="1500" dirty="0"/>
               <a:t>{</a:t>
             </a:r>
           </a:p>
@@ -12422,7 +12530,7 @@
               <a:buNone/>
             </a:pPr>
             <a:r>
-              <a:rPr lang="nn-NO" altLang="ko-KR" sz="1500"/>
+              <a:rPr lang="nn-NO" altLang="ko-KR" sz="1500" dirty="0"/>
               <a:t>            for(int i=0; i&lt; array.Length; i++)</a:t>
             </a:r>
           </a:p>
@@ -12431,11 +12539,11 @@
               <a:buNone/>
             </a:pPr>
             <a:r>
-              <a:rPr lang="ko-KR" altLang="en-US" sz="1500"/>
+              <a:rPr lang="ko-KR" altLang="en-US" sz="1500" dirty="0"/>
               <a:t>            </a:t>
             </a:r>
             <a:r>
-              <a:rPr lang="en-US" altLang="ko-KR" sz="1500"/>
+              <a:rPr lang="en-US" altLang="ko-KR" sz="1500" dirty="0"/>
               <a:t>{</a:t>
             </a:r>
           </a:p>
@@ -12444,8 +12552,32 @@
               <a:buNone/>
             </a:pPr>
             <a:r>
-              <a:rPr lang="en-US" altLang="ko-KR" sz="1500"/>
-              <a:t>                for(int j=i; j&lt;array.Length; j++)</a:t>
+              <a:rPr lang="en-US" altLang="ko-KR" sz="1500" dirty="0"/>
+              <a:t>                for(int j=</a:t>
+            </a:r>
+            <a:r>
+              <a:rPr lang="en-US" altLang="ko-KR" sz="1500" dirty="0" err="1"/>
+              <a:t>i</a:t>
+            </a:r>
+            <a:r>
+              <a:rPr lang="en-US" altLang="ko-KR" sz="1500" dirty="0"/>
+              <a:t>; j&lt;</a:t>
+            </a:r>
+            <a:r>
+              <a:rPr lang="en-US" altLang="ko-KR" sz="1500" dirty="0" err="1"/>
+              <a:t>array.Length</a:t>
+            </a:r>
+            <a:r>
+              <a:rPr lang="en-US" altLang="ko-KR" sz="1500" dirty="0"/>
+              <a:t>; </a:t>
+            </a:r>
+            <a:r>
+              <a:rPr lang="en-US" altLang="ko-KR" sz="1500" dirty="0" err="1"/>
+              <a:t>j++</a:t>
+            </a:r>
+            <a:r>
+              <a:rPr lang="en-US" altLang="ko-KR" sz="1500" dirty="0"/>
+              <a:t>)</a:t>
             </a:r>
           </a:p>
           <a:p>
@@ -12453,11 +12585,11 @@
               <a:buNone/>
             </a:pPr>
             <a:r>
-              <a:rPr lang="ko-KR" altLang="en-US" sz="1500"/>
+              <a:rPr lang="ko-KR" altLang="en-US" sz="1500" dirty="0"/>
               <a:t>                </a:t>
             </a:r>
             <a:r>
-              <a:rPr lang="en-US" altLang="ko-KR" sz="1500"/>
+              <a:rPr lang="en-US" altLang="ko-KR" sz="1500" dirty="0"/>
               <a:t>{</a:t>
             </a:r>
           </a:p>
@@ -12466,8 +12598,16 @@
               <a:buNone/>
             </a:pPr>
             <a:r>
-              <a:rPr lang="en-US" altLang="ko-KR" sz="1500"/>
-              <a:t>                    if(array[i] &lt; array[j])</a:t>
+              <a:rPr lang="en-US" altLang="ko-KR" sz="1500" dirty="0"/>
+              <a:t>                    if(array[</a:t>
+            </a:r>
+            <a:r>
+              <a:rPr lang="en-US" altLang="ko-KR" sz="1500" dirty="0" err="1"/>
+              <a:t>i</a:t>
+            </a:r>
+            <a:r>
+              <a:rPr lang="en-US" altLang="ko-KR" sz="1500" dirty="0"/>
+              <a:t>] &lt; array[j])</a:t>
             </a:r>
           </a:p>
           <a:p>
@@ -12475,11 +12615,11 @@
               <a:buNone/>
             </a:pPr>
             <a:r>
-              <a:rPr lang="ko-KR" altLang="en-US" sz="1500"/>
+              <a:rPr lang="ko-KR" altLang="en-US" sz="1500" dirty="0"/>
               <a:t>                    </a:t>
             </a:r>
             <a:r>
-              <a:rPr lang="en-US" altLang="ko-KR" sz="1500"/>
+              <a:rPr lang="en-US" altLang="ko-KR" sz="1500" dirty="0"/>
               <a:t>{</a:t>
             </a:r>
           </a:p>
@@ -12488,8 +12628,16 @@
               <a:buNone/>
             </a:pPr>
             <a:r>
-              <a:rPr lang="en-US" altLang="ko-KR" sz="1500"/>
-              <a:t>                        Swap(ref array[i], ref array[j]);</a:t>
+              <a:rPr lang="en-US" altLang="ko-KR" sz="1500" dirty="0"/>
+              <a:t>                        Swap(ref array[</a:t>
+            </a:r>
+            <a:r>
+              <a:rPr lang="en-US" altLang="ko-KR" sz="1500" dirty="0" err="1"/>
+              <a:t>i</a:t>
+            </a:r>
+            <a:r>
+              <a:rPr lang="en-US" altLang="ko-KR" sz="1500" dirty="0"/>
+              <a:t>], ref array[j]);</a:t>
             </a:r>
           </a:p>
           <a:p>
@@ -12497,11 +12645,11 @@
               <a:buNone/>
             </a:pPr>
             <a:r>
-              <a:rPr lang="ko-KR" altLang="en-US" sz="1500"/>
+              <a:rPr lang="ko-KR" altLang="en-US" sz="1500" dirty="0"/>
               <a:t>                    </a:t>
             </a:r>
             <a:r>
-              <a:rPr lang="en-US" altLang="ko-KR" sz="1500"/>
+              <a:rPr lang="en-US" altLang="ko-KR" sz="1500" dirty="0"/>
               <a:t>}</a:t>
             </a:r>
           </a:p>
@@ -12510,11 +12658,11 @@
               <a:buNone/>
             </a:pPr>
             <a:r>
-              <a:rPr lang="ko-KR" altLang="en-US" sz="1500"/>
+              <a:rPr lang="ko-KR" altLang="en-US" sz="1500" dirty="0"/>
               <a:t>                </a:t>
             </a:r>
             <a:r>
-              <a:rPr lang="en-US" altLang="ko-KR" sz="1500"/>
+              <a:rPr lang="en-US" altLang="ko-KR" sz="1500" dirty="0"/>
               <a:t>}</a:t>
             </a:r>
           </a:p>
@@ -12523,11 +12671,11 @@
               <a:buNone/>
             </a:pPr>
             <a:r>
-              <a:rPr lang="ko-KR" altLang="en-US" sz="1500"/>
+              <a:rPr lang="ko-KR" altLang="en-US" sz="1500" dirty="0"/>
               <a:t>            </a:t>
             </a:r>
             <a:r>
-              <a:rPr lang="en-US" altLang="ko-KR" sz="1500"/>
+              <a:rPr lang="en-US" altLang="ko-KR" sz="1500" dirty="0"/>
               <a:t>}</a:t>
             </a:r>
           </a:p>
@@ -12536,14 +12684,14 @@
               <a:buNone/>
             </a:pPr>
             <a:r>
-              <a:rPr lang="ko-KR" altLang="en-US" sz="1500"/>
+              <a:rPr lang="ko-KR" altLang="en-US" sz="1500" dirty="0"/>
               <a:t>        </a:t>
             </a:r>
             <a:r>
-              <a:rPr lang="en-US" altLang="ko-KR" sz="1500"/>
+              <a:rPr lang="en-US" altLang="ko-KR" sz="1500" dirty="0"/>
               <a:t>}</a:t>
             </a:r>
-            <a:endParaRPr lang="ko-KR" altLang="en-US" sz="1500"/>
+            <a:endParaRPr lang="ko-KR" altLang="en-US" sz="1500" dirty="0"/>
           </a:p>
         </p:txBody>
       </p:sp>
